--- a/ClassMaterials/CPSMore1/24-moreCPS.pptx
+++ b/ClassMaterials/CPSMore1/24-moreCPS.pptx
@@ -5,24 +5,28 @@
     <p:sldMasterId id="2147483648" r:id="rId1"/>
   </p:sldMasterIdLst>
   <p:notesMasterIdLst>
-    <p:notesMasterId r:id="rId14"/>
+    <p:notesMasterId r:id="rId18"/>
   </p:notesMasterIdLst>
   <p:handoutMasterIdLst>
-    <p:handoutMasterId r:id="rId15"/>
+    <p:handoutMasterId r:id="rId19"/>
   </p:handoutMasterIdLst>
   <p:sldIdLst>
     <p:sldId id="428" r:id="rId2"/>
     <p:sldId id="304" r:id="rId3"/>
-    <p:sldId id="443" r:id="rId4"/>
-    <p:sldId id="414" r:id="rId5"/>
-    <p:sldId id="472" r:id="rId6"/>
-    <p:sldId id="473" r:id="rId7"/>
-    <p:sldId id="456" r:id="rId8"/>
-    <p:sldId id="471" r:id="rId9"/>
-    <p:sldId id="458" r:id="rId10"/>
-    <p:sldId id="459" r:id="rId11"/>
-    <p:sldId id="468" r:id="rId12"/>
-    <p:sldId id="466" r:id="rId13"/>
+    <p:sldId id="476" r:id="rId4"/>
+    <p:sldId id="443" r:id="rId5"/>
+    <p:sldId id="414" r:id="rId6"/>
+    <p:sldId id="472" r:id="rId7"/>
+    <p:sldId id="473" r:id="rId8"/>
+    <p:sldId id="477" r:id="rId9"/>
+    <p:sldId id="474" r:id="rId10"/>
+    <p:sldId id="475" r:id="rId11"/>
+    <p:sldId id="456" r:id="rId12"/>
+    <p:sldId id="471" r:id="rId13"/>
+    <p:sldId id="458" r:id="rId14"/>
+    <p:sldId id="459" r:id="rId15"/>
+    <p:sldId id="468" r:id="rId16"/>
+    <p:sldId id="466" r:id="rId17"/>
   </p:sldIdLst>
   <p:sldSz cx="12192000" cy="6858000"/>
   <p:notesSz cx="7315200" cy="9601200"/>
@@ -168,6 +172,127 @@
     </p:ext>
   </p:extLst>
 </p:presentation>
+</file>
+
+<file path=ppt/changesInfos/changesInfo1.xml><?xml version="1.0" encoding="utf-8"?>
+<pc:chgInfo xmlns:a="http://schemas.openxmlformats.org/drawingml/2006/main" xmlns:r="http://schemas.openxmlformats.org/officeDocument/2006/relationships" xmlns:ac="http://schemas.microsoft.com/office/drawing/2013/main/command" xmlns:pc="http://schemas.microsoft.com/office/powerpoint/2013/main/command">
+  <pc:docChgLst>
+    <pc:chgData name="Hewner, Mike" userId="7f3f83dd-6dfb-4127-a87f-c1714bd4fac9" providerId="ADAL" clId="{FFA2270F-E62A-4D13-A338-F8F5143CCC33}"/>
+    <pc:docChg chg="custSel addSld modSld">
+      <pc:chgData name="Hewner, Mike" userId="7f3f83dd-6dfb-4127-a87f-c1714bd4fac9" providerId="ADAL" clId="{FFA2270F-E62A-4D13-A338-F8F5143CCC33}" dt="2021-10-12T14:50:19.889" v="1803" actId="20577"/>
+      <pc:docMkLst>
+        <pc:docMk/>
+      </pc:docMkLst>
+      <pc:sldChg chg="modSp mod">
+        <pc:chgData name="Hewner, Mike" userId="7f3f83dd-6dfb-4127-a87f-c1714bd4fac9" providerId="ADAL" clId="{FFA2270F-E62A-4D13-A338-F8F5143CCC33}" dt="2021-10-12T13:00:26.895" v="29" actId="20577"/>
+        <pc:sldMkLst>
+          <pc:docMk/>
+          <pc:sldMk cId="3003259697" sldId="443"/>
+        </pc:sldMkLst>
+        <pc:spChg chg="mod">
+          <ac:chgData name="Hewner, Mike" userId="7f3f83dd-6dfb-4127-a87f-c1714bd4fac9" providerId="ADAL" clId="{FFA2270F-E62A-4D13-A338-F8F5143CCC33}" dt="2021-10-12T13:00:26.895" v="29" actId="20577"/>
+          <ac:spMkLst>
+            <pc:docMk/>
+            <pc:sldMk cId="3003259697" sldId="443"/>
+            <ac:spMk id="3" creationId="{00000000-0000-0000-0000-000000000000}"/>
+          </ac:spMkLst>
+        </pc:spChg>
+      </pc:sldChg>
+      <pc:sldChg chg="modSp new mod">
+        <pc:chgData name="Hewner, Mike" userId="7f3f83dd-6dfb-4127-a87f-c1714bd4fac9" providerId="ADAL" clId="{FFA2270F-E62A-4D13-A338-F8F5143CCC33}" dt="2021-10-12T13:08:46.659" v="709" actId="20577"/>
+        <pc:sldMkLst>
+          <pc:docMk/>
+          <pc:sldMk cId="3572749138" sldId="474"/>
+        </pc:sldMkLst>
+        <pc:spChg chg="mod">
+          <ac:chgData name="Hewner, Mike" userId="7f3f83dd-6dfb-4127-a87f-c1714bd4fac9" providerId="ADAL" clId="{FFA2270F-E62A-4D13-A338-F8F5143CCC33}" dt="2021-10-12T13:05:59.137" v="444" actId="20577"/>
+          <ac:spMkLst>
+            <pc:docMk/>
+            <pc:sldMk cId="3572749138" sldId="474"/>
+            <ac:spMk id="2" creationId="{5E44255B-4556-43F5-ABE6-2409CD57B3B3}"/>
+          </ac:spMkLst>
+        </pc:spChg>
+        <pc:spChg chg="mod">
+          <ac:chgData name="Hewner, Mike" userId="7f3f83dd-6dfb-4127-a87f-c1714bd4fac9" providerId="ADAL" clId="{FFA2270F-E62A-4D13-A338-F8F5143CCC33}" dt="2021-10-12T13:08:46.659" v="709" actId="20577"/>
+          <ac:spMkLst>
+            <pc:docMk/>
+            <pc:sldMk cId="3572749138" sldId="474"/>
+            <ac:spMk id="3" creationId="{A42B9DF9-5C76-4BAF-8A65-DD3EB365E5A2}"/>
+          </ac:spMkLst>
+        </pc:spChg>
+      </pc:sldChg>
+      <pc:sldChg chg="modSp new mod">
+        <pc:chgData name="Hewner, Mike" userId="7f3f83dd-6dfb-4127-a87f-c1714bd4fac9" providerId="ADAL" clId="{FFA2270F-E62A-4D13-A338-F8F5143CCC33}" dt="2021-10-12T13:14:28.936" v="1253" actId="20577"/>
+        <pc:sldMkLst>
+          <pc:docMk/>
+          <pc:sldMk cId="2020826101" sldId="475"/>
+        </pc:sldMkLst>
+        <pc:spChg chg="mod">
+          <ac:chgData name="Hewner, Mike" userId="7f3f83dd-6dfb-4127-a87f-c1714bd4fac9" providerId="ADAL" clId="{FFA2270F-E62A-4D13-A338-F8F5143CCC33}" dt="2021-10-12T13:09:04.302" v="723" actId="20577"/>
+          <ac:spMkLst>
+            <pc:docMk/>
+            <pc:sldMk cId="2020826101" sldId="475"/>
+            <ac:spMk id="2" creationId="{A49E40D4-8EF9-4BDF-8795-C67A8771066F}"/>
+          </ac:spMkLst>
+        </pc:spChg>
+        <pc:spChg chg="mod">
+          <ac:chgData name="Hewner, Mike" userId="7f3f83dd-6dfb-4127-a87f-c1714bd4fac9" providerId="ADAL" clId="{FFA2270F-E62A-4D13-A338-F8F5143CCC33}" dt="2021-10-12T13:14:28.936" v="1253" actId="20577"/>
+          <ac:spMkLst>
+            <pc:docMk/>
+            <pc:sldMk cId="2020826101" sldId="475"/>
+            <ac:spMk id="3" creationId="{60441771-29A8-4E4D-91F6-5F51B311F532}"/>
+          </ac:spMkLst>
+        </pc:spChg>
+      </pc:sldChg>
+      <pc:sldChg chg="modSp new mod">
+        <pc:chgData name="Hewner, Mike" userId="7f3f83dd-6dfb-4127-a87f-c1714bd4fac9" providerId="ADAL" clId="{FFA2270F-E62A-4D13-A338-F8F5143CCC33}" dt="2021-10-12T13:17:06.647" v="1320" actId="20577"/>
+        <pc:sldMkLst>
+          <pc:docMk/>
+          <pc:sldMk cId="1079772021" sldId="476"/>
+        </pc:sldMkLst>
+        <pc:spChg chg="mod">
+          <ac:chgData name="Hewner, Mike" userId="7f3f83dd-6dfb-4127-a87f-c1714bd4fac9" providerId="ADAL" clId="{FFA2270F-E62A-4D13-A338-F8F5143CCC33}" dt="2021-10-12T13:16:59.416" v="1283" actId="313"/>
+          <ac:spMkLst>
+            <pc:docMk/>
+            <pc:sldMk cId="1079772021" sldId="476"/>
+            <ac:spMk id="2" creationId="{2CDDE9F0-3B19-423A-843E-4432C7DEC1F3}"/>
+          </ac:spMkLst>
+        </pc:spChg>
+        <pc:spChg chg="mod">
+          <ac:chgData name="Hewner, Mike" userId="7f3f83dd-6dfb-4127-a87f-c1714bd4fac9" providerId="ADAL" clId="{FFA2270F-E62A-4D13-A338-F8F5143CCC33}" dt="2021-10-12T13:17:06.647" v="1320" actId="20577"/>
+          <ac:spMkLst>
+            <pc:docMk/>
+            <pc:sldMk cId="1079772021" sldId="476"/>
+            <ac:spMk id="3" creationId="{24B4844C-A1DE-422B-BFED-9F6F6204B6BF}"/>
+          </ac:spMkLst>
+        </pc:spChg>
+      </pc:sldChg>
+      <pc:sldChg chg="modSp new mod">
+        <pc:chgData name="Hewner, Mike" userId="7f3f83dd-6dfb-4127-a87f-c1714bd4fac9" providerId="ADAL" clId="{FFA2270F-E62A-4D13-A338-F8F5143CCC33}" dt="2021-10-12T14:50:19.889" v="1803" actId="20577"/>
+        <pc:sldMkLst>
+          <pc:docMk/>
+          <pc:sldMk cId="883426798" sldId="477"/>
+        </pc:sldMkLst>
+        <pc:spChg chg="mod">
+          <ac:chgData name="Hewner, Mike" userId="7f3f83dd-6dfb-4127-a87f-c1714bd4fac9" providerId="ADAL" clId="{FFA2270F-E62A-4D13-A338-F8F5143CCC33}" dt="2021-10-12T14:44:15.517" v="1367" actId="14100"/>
+          <ac:spMkLst>
+            <pc:docMk/>
+            <pc:sldMk cId="883426798" sldId="477"/>
+            <ac:spMk id="2" creationId="{DCEC95FC-ED82-4D79-9BF6-7C6BFBF60F03}"/>
+          </ac:spMkLst>
+        </pc:spChg>
+        <pc:spChg chg="mod">
+          <ac:chgData name="Hewner, Mike" userId="7f3f83dd-6dfb-4127-a87f-c1714bd4fac9" providerId="ADAL" clId="{FFA2270F-E62A-4D13-A338-F8F5143CCC33}" dt="2021-10-12T14:50:19.889" v="1803" actId="20577"/>
+          <ac:spMkLst>
+            <pc:docMk/>
+            <pc:sldMk cId="883426798" sldId="477"/>
+            <ac:spMk id="3" creationId="{034D30F2-A4BC-487C-AA5C-9DB8578FEB0E}"/>
+          </ac:spMkLst>
+        </pc:spChg>
+      </pc:sldChg>
+    </pc:docChg>
+  </pc:docChgLst>
+</pc:chgInfo>
 </file>
 
 <file path=ppt/handoutMasters/handoutMaster1.xml><?xml version="1.0" encoding="utf-8"?>
@@ -980,7 +1105,7 @@
             <a:fld id="{1DC98F7B-29CD-4C6A-9715-3270586611D1}" type="slidenum">
               <a:rPr lang="en-US" smtClean="0"/>
               <a:pPr/>
-              <a:t>4</a:t>
+              <a:t>5</a:t>
             </a:fld>
             <a:endParaRPr lang="en-US"/>
           </a:p>
@@ -1086,7 +1211,7 @@
             <a:fld id="{1DC98F7B-29CD-4C6A-9715-3270586611D1}" type="slidenum">
               <a:rPr lang="en-US" smtClean="0"/>
               <a:pPr/>
-              <a:t>11</a:t>
+              <a:t>15</a:t>
             </a:fld>
             <a:endParaRPr lang="en-US"/>
           </a:p>
@@ -3520,7 +3645,7 @@
 </file>
 
 <file path=ppt/slides/slide10.xml><?xml version="1.0" encoding="utf-8"?>
-<p:sld xmlns:a="http://schemas.openxmlformats.org/drawingml/2006/main" xmlns:r="http://schemas.openxmlformats.org/officeDocument/2006/relationships" xmlns:p="http://schemas.openxmlformats.org/presentationml/2006/main" show="0">
+<p:sld xmlns:a="http://schemas.openxmlformats.org/drawingml/2006/main" xmlns:r="http://schemas.openxmlformats.org/officeDocument/2006/relationships" xmlns:p="http://schemas.openxmlformats.org/presentationml/2006/main">
   <p:cSld>
     <p:spTree>
       <p:nvGrpSpPr>
@@ -3538,576 +3663,93 @@
       </p:grpSpPr>
       <p:sp>
         <p:nvSpPr>
-          <p:cNvPr id="125954" name="Rectangle 2"/>
+          <p:cNvPr id="2" name="Title 1">
+            <a:extLst>
+              <a:ext uri="{FF2B5EF4-FFF2-40B4-BE49-F238E27FC236}">
+                <a16:creationId xmlns:a16="http://schemas.microsoft.com/office/drawing/2014/main" id="{A49E40D4-8EF9-4BDF-8795-C67A8771066F}"/>
+              </a:ext>
+            </a:extLst>
+          </p:cNvPr>
           <p:cNvSpPr>
-            <a:spLocks noGrp="1" noChangeArrowheads="1"/>
+            <a:spLocks noGrp="1"/>
           </p:cNvSpPr>
           <p:nvPr>
-            <p:ph type="body" idx="1"/>
+            <p:ph type="title"/>
           </p:nvPr>
         </p:nvSpPr>
-        <p:spPr>
-          <a:xfrm>
-            <a:off x="2362200" y="0"/>
-            <a:ext cx="8077200" cy="6172200"/>
-          </a:xfrm>
-        </p:spPr>
+        <p:spPr/>
         <p:txBody>
           <a:bodyPr/>
           <a:lstStyle/>
           <a:p>
-            <a:pPr>
-              <a:lnSpc>
-                <a:spcPct val="80000"/>
-              </a:lnSpc>
-              <a:spcBef>
-                <a:spcPct val="5000"/>
-              </a:spcBef>
-              <a:buFontTx/>
-              <a:buNone/>
-            </a:pPr>
-            <a:endParaRPr lang="en-US" sz="2000" b="1" dirty="0">
-              <a:latin typeface="Courier New" pitchFamily="49" charset="0"/>
-            </a:endParaRPr>
-          </a:p>
-          <a:p>
-            <a:pPr>
-              <a:lnSpc>
-                <a:spcPct val="80000"/>
-              </a:lnSpc>
-              <a:spcBef>
-                <a:spcPct val="5000"/>
-              </a:spcBef>
-              <a:buFontTx/>
-              <a:buNone/>
-            </a:pPr>
-            <a:r>
-              <a:rPr lang="en-US" sz="2000" b="1" dirty="0">
-                <a:latin typeface="Courier New" pitchFamily="49" charset="0"/>
-              </a:rPr>
-              <a:t>(define substitute-leftmost</a:t>
-            </a:r>
-          </a:p>
-          <a:p>
-            <a:pPr>
-              <a:lnSpc>
-                <a:spcPct val="80000"/>
-              </a:lnSpc>
-              <a:spcBef>
-                <a:spcPct val="5000"/>
-              </a:spcBef>
-              <a:buFontTx/>
-              <a:buNone/>
-            </a:pPr>
-            <a:r>
-              <a:rPr lang="en-US" sz="2000" b="1" dirty="0">
-                <a:latin typeface="Courier New" pitchFamily="49" charset="0"/>
-              </a:rPr>
-              <a:t>  (lambda (new old </a:t>
-            </a:r>
-            <a:r>
-              <a:rPr lang="en-US" sz="2000" b="1" dirty="0" err="1">
-                <a:latin typeface="Courier New" pitchFamily="49" charset="0"/>
-              </a:rPr>
-              <a:t>slist</a:t>
-            </a:r>
-            <a:r>
-              <a:rPr lang="en-US" sz="2000" b="1" dirty="0">
-                <a:latin typeface="Courier New" pitchFamily="49" charset="0"/>
-              </a:rPr>
-              <a:t>)</a:t>
-            </a:r>
-          </a:p>
-          <a:p>
-            <a:pPr>
-              <a:lnSpc>
-                <a:spcPct val="80000"/>
-              </a:lnSpc>
-              <a:spcBef>
-                <a:spcPct val="5000"/>
-              </a:spcBef>
-              <a:buFontTx/>
-              <a:buNone/>
-            </a:pPr>
-            <a:r>
-              <a:rPr lang="en-US" sz="2000" b="1" dirty="0">
-                <a:latin typeface="Courier New" pitchFamily="49" charset="0"/>
-              </a:rPr>
-              <a:t>    (</a:t>
-            </a:r>
-            <a:r>
-              <a:rPr lang="en-US" sz="2000" b="1" dirty="0" err="1">
-                <a:latin typeface="Courier New" pitchFamily="49" charset="0"/>
-              </a:rPr>
-              <a:t>subst</a:t>
-            </a:r>
-            <a:r>
-              <a:rPr lang="en-US" sz="2000" b="1" dirty="0">
-                <a:latin typeface="Courier New" pitchFamily="49" charset="0"/>
-              </a:rPr>
-              <a:t>-left-cps</a:t>
-            </a:r>
-          </a:p>
-          <a:p>
-            <a:pPr>
-              <a:lnSpc>
-                <a:spcPct val="80000"/>
-              </a:lnSpc>
-              <a:spcBef>
-                <a:spcPct val="5000"/>
-              </a:spcBef>
-              <a:buFontTx/>
-              <a:buNone/>
-            </a:pPr>
-            <a:r>
-              <a:rPr lang="en-US" sz="2000" b="1" dirty="0">
-                <a:latin typeface="Courier New" pitchFamily="49" charset="0"/>
-              </a:rPr>
-              <a:t>      new</a:t>
-            </a:r>
-          </a:p>
-          <a:p>
-            <a:pPr>
-              <a:lnSpc>
-                <a:spcPct val="80000"/>
-              </a:lnSpc>
-              <a:spcBef>
-                <a:spcPct val="5000"/>
-              </a:spcBef>
-              <a:buFontTx/>
-              <a:buNone/>
-            </a:pPr>
-            <a:r>
-              <a:rPr lang="en-US" sz="2000" b="1" dirty="0">
-                <a:latin typeface="Courier New" pitchFamily="49" charset="0"/>
-              </a:rPr>
-              <a:t>      old</a:t>
-            </a:r>
-          </a:p>
-          <a:p>
-            <a:pPr>
-              <a:lnSpc>
-                <a:spcPct val="80000"/>
-              </a:lnSpc>
-              <a:spcBef>
-                <a:spcPct val="5000"/>
-              </a:spcBef>
-              <a:buFontTx/>
-              <a:buNone/>
-            </a:pPr>
-            <a:r>
-              <a:rPr lang="en-US" sz="2000" b="1" dirty="0">
-                <a:latin typeface="Courier New" pitchFamily="49" charset="0"/>
-              </a:rPr>
-              <a:t>      </a:t>
-            </a:r>
-            <a:r>
-              <a:rPr lang="en-US" sz="2000" b="1" dirty="0" err="1">
-                <a:latin typeface="Courier New" pitchFamily="49" charset="0"/>
-              </a:rPr>
-              <a:t>slist</a:t>
-            </a:r>
-            <a:endParaRPr lang="en-US" sz="2000" b="1" dirty="0">
-              <a:latin typeface="Courier New" pitchFamily="49" charset="0"/>
-            </a:endParaRPr>
-          </a:p>
-          <a:p>
-            <a:pPr>
-              <a:lnSpc>
-                <a:spcPct val="80000"/>
-              </a:lnSpc>
-              <a:spcBef>
-                <a:spcPct val="5000"/>
-              </a:spcBef>
-              <a:buFontTx/>
-              <a:buNone/>
-            </a:pPr>
-            <a:r>
-              <a:rPr lang="en-US" sz="2000" b="1" dirty="0">
-                <a:latin typeface="Courier New" pitchFamily="49" charset="0"/>
-              </a:rPr>
-              <a:t>      (lambda (v) v)     </a:t>
-            </a:r>
-            <a:r>
-              <a:rPr lang="en-US" sz="2000" b="1" dirty="0">
-                <a:solidFill>
-                  <a:srgbClr val="CC0097"/>
-                </a:solidFill>
-                <a:latin typeface="Courier New" pitchFamily="49" charset="0"/>
-              </a:rPr>
-              <a:t>; succeed continuation</a:t>
-            </a:r>
-          </a:p>
-          <a:p>
-            <a:pPr>
-              <a:lnSpc>
-                <a:spcPct val="80000"/>
-              </a:lnSpc>
-              <a:spcBef>
-                <a:spcPct val="5000"/>
-              </a:spcBef>
-              <a:buFontTx/>
-              <a:buNone/>
-            </a:pPr>
-            <a:r>
-              <a:rPr lang="en-US" sz="2000" b="1" dirty="0">
-                <a:latin typeface="Courier New" pitchFamily="49" charset="0"/>
-              </a:rPr>
-              <a:t>      (lambda () </a:t>
-            </a:r>
-            <a:r>
-              <a:rPr lang="en-US" sz="2000" b="1" dirty="0" err="1">
-                <a:latin typeface="Courier New" pitchFamily="49" charset="0"/>
-              </a:rPr>
-              <a:t>slist</a:t>
-            </a:r>
-            <a:r>
-              <a:rPr lang="en-US" sz="2000" b="1" dirty="0">
-                <a:latin typeface="Courier New" pitchFamily="49" charset="0"/>
-              </a:rPr>
-              <a:t>)  </a:t>
-            </a:r>
-            <a:r>
-              <a:rPr lang="en-US" sz="2000" b="1" dirty="0">
-                <a:solidFill>
-                  <a:srgbClr val="CC0097"/>
-                </a:solidFill>
-                <a:latin typeface="Courier New" pitchFamily="49" charset="0"/>
-              </a:rPr>
-              <a:t>; fail continuation</a:t>
-            </a:r>
-          </a:p>
-          <a:p>
-            <a:pPr>
-              <a:lnSpc>
-                <a:spcPct val="80000"/>
-              </a:lnSpc>
-              <a:spcBef>
-                <a:spcPct val="5000"/>
-              </a:spcBef>
-              <a:buFontTx/>
-              <a:buNone/>
-            </a:pPr>
-            <a:r>
-              <a:rPr lang="en-US" sz="2000" b="1" dirty="0">
-                <a:solidFill>
-                  <a:srgbClr val="CC0097"/>
-                </a:solidFill>
-                <a:latin typeface="Courier New" pitchFamily="49" charset="0"/>
-              </a:rPr>
-              <a:t>     </a:t>
-            </a:r>
-            <a:r>
-              <a:rPr lang="en-US" sz="2000" b="1" dirty="0">
-                <a:latin typeface="Courier New" pitchFamily="49" charset="0"/>
-              </a:rPr>
-              <a:t>)))</a:t>
-            </a:r>
-          </a:p>
-          <a:p>
-            <a:pPr>
-              <a:lnSpc>
-                <a:spcPct val="80000"/>
-              </a:lnSpc>
-              <a:spcBef>
-                <a:spcPct val="5000"/>
-              </a:spcBef>
-              <a:buFontTx/>
-              <a:buNone/>
-            </a:pPr>
-            <a:endParaRPr lang="en-US" sz="2000" b="1" dirty="0">
-              <a:latin typeface="Courier New" pitchFamily="49" charset="0"/>
-            </a:endParaRPr>
-          </a:p>
-          <a:p>
-            <a:pPr>
-              <a:lnSpc>
-                <a:spcPct val="80000"/>
-              </a:lnSpc>
-              <a:spcBef>
-                <a:spcPct val="5000"/>
-              </a:spcBef>
-              <a:buFontTx/>
-              <a:buNone/>
-            </a:pPr>
-            <a:endParaRPr lang="en-US" sz="2000" b="1" dirty="0">
-              <a:latin typeface="Courier New" pitchFamily="49" charset="0"/>
-            </a:endParaRPr>
-          </a:p>
-          <a:p>
-            <a:pPr>
-              <a:lnSpc>
-                <a:spcPct val="80000"/>
-              </a:lnSpc>
-              <a:spcBef>
-                <a:spcPct val="5000"/>
-              </a:spcBef>
-              <a:buFontTx/>
-              <a:buNone/>
-            </a:pPr>
-            <a:endParaRPr lang="en-US" sz="2000" b="1" dirty="0">
-              <a:latin typeface="Courier New" pitchFamily="49" charset="0"/>
-            </a:endParaRPr>
-          </a:p>
-          <a:p>
-            <a:pPr>
-              <a:lnSpc>
-                <a:spcPct val="80000"/>
-              </a:lnSpc>
-              <a:spcBef>
-                <a:spcPct val="5000"/>
-              </a:spcBef>
-              <a:buFontTx/>
-              <a:buNone/>
-            </a:pPr>
-            <a:r>
-              <a:rPr lang="en-US" sz="2000" b="1" dirty="0">
-                <a:latin typeface="Courier New" pitchFamily="49" charset="0"/>
-              </a:rPr>
-              <a:t>(define </a:t>
-            </a:r>
-            <a:r>
-              <a:rPr lang="en-US" sz="2000" b="1" dirty="0" err="1">
-                <a:latin typeface="Courier New" pitchFamily="49" charset="0"/>
-              </a:rPr>
-              <a:t>subst</a:t>
-            </a:r>
-            <a:r>
-              <a:rPr lang="en-US" sz="2000" b="1" dirty="0">
-                <a:latin typeface="Courier New" pitchFamily="49" charset="0"/>
-              </a:rPr>
-              <a:t>-left-cps</a:t>
-            </a:r>
-          </a:p>
-          <a:p>
-            <a:pPr>
-              <a:lnSpc>
-                <a:spcPct val="80000"/>
-              </a:lnSpc>
-              <a:spcBef>
-                <a:spcPct val="5000"/>
-              </a:spcBef>
-              <a:buFontTx/>
-              <a:buNone/>
-            </a:pPr>
-            <a:r>
-              <a:rPr lang="en-US" sz="2000" b="1" dirty="0">
-                <a:latin typeface="Courier New" pitchFamily="49" charset="0"/>
-              </a:rPr>
-              <a:t>  (lambda (new old </a:t>
-            </a:r>
-            <a:r>
-              <a:rPr lang="en-US" sz="2000" b="1" dirty="0" err="1">
-                <a:latin typeface="Courier New" pitchFamily="49" charset="0"/>
-              </a:rPr>
-              <a:t>slist</a:t>
-            </a:r>
-            <a:r>
-              <a:rPr lang="en-US" sz="2000" b="1" dirty="0">
-                <a:latin typeface="Courier New" pitchFamily="49" charset="0"/>
-              </a:rPr>
-              <a:t> changed unchanged)</a:t>
-            </a:r>
-          </a:p>
-          <a:p>
-            <a:pPr>
-              <a:lnSpc>
-                <a:spcPct val="80000"/>
-              </a:lnSpc>
-              <a:spcBef>
-                <a:spcPct val="5000"/>
-              </a:spcBef>
-              <a:buFontTx/>
-              <a:buNone/>
-            </a:pPr>
-            <a:r>
-              <a:rPr lang="en-US" sz="2000" b="1" dirty="0">
-                <a:latin typeface="Courier New" pitchFamily="49" charset="0"/>
-              </a:rPr>
-              <a:t>    (let loop ([</a:t>
-            </a:r>
-            <a:r>
-              <a:rPr lang="en-US" sz="2000" b="1" dirty="0" err="1">
-                <a:latin typeface="Courier New" pitchFamily="49" charset="0"/>
-              </a:rPr>
-              <a:t>slist</a:t>
-            </a:r>
-            <a:r>
-              <a:rPr lang="en-US" sz="2000" b="1" dirty="0">
-                <a:latin typeface="Courier New" pitchFamily="49" charset="0"/>
-              </a:rPr>
-              <a:t> </a:t>
-            </a:r>
-            <a:r>
-              <a:rPr lang="en-US" sz="2000" b="1" dirty="0" err="1">
-                <a:latin typeface="Courier New" pitchFamily="49" charset="0"/>
-              </a:rPr>
-              <a:t>slist</a:t>
-            </a:r>
-            <a:r>
-              <a:rPr lang="en-US" sz="2000" b="1" dirty="0">
-                <a:latin typeface="Courier New" pitchFamily="49" charset="0"/>
-              </a:rPr>
-              <a:t>] </a:t>
-            </a:r>
-          </a:p>
-          <a:p>
-            <a:pPr>
-              <a:lnSpc>
-                <a:spcPct val="80000"/>
-              </a:lnSpc>
-              <a:spcBef>
-                <a:spcPct val="5000"/>
-              </a:spcBef>
-              <a:buFontTx/>
-              <a:buNone/>
-            </a:pPr>
-            <a:r>
-              <a:rPr lang="en-US" sz="2000" b="1" dirty="0">
-                <a:latin typeface="Courier New" pitchFamily="49" charset="0"/>
-              </a:rPr>
-              <a:t>               [changed changed] </a:t>
-            </a:r>
-          </a:p>
-          <a:p>
-            <a:pPr>
-              <a:lnSpc>
-                <a:spcPct val="80000"/>
-              </a:lnSpc>
-              <a:spcBef>
-                <a:spcPct val="5000"/>
-              </a:spcBef>
-              <a:buFontTx/>
-              <a:buNone/>
-            </a:pPr>
-            <a:r>
-              <a:rPr lang="en-US" sz="2000" b="1" dirty="0">
-                <a:latin typeface="Courier New" pitchFamily="49" charset="0"/>
-              </a:rPr>
-              <a:t>               [unchanged unchanged])</a:t>
-            </a:r>
-          </a:p>
-          <a:p>
-            <a:pPr>
-              <a:lnSpc>
-                <a:spcPct val="80000"/>
-              </a:lnSpc>
-              <a:spcBef>
-                <a:spcPct val="5000"/>
-              </a:spcBef>
-              <a:buFontTx/>
-              <a:buNone/>
-            </a:pPr>
-            <a:r>
-              <a:rPr lang="en-US" sz="2000" b="1" dirty="0">
-                <a:latin typeface="Courier New" pitchFamily="49" charset="0"/>
-              </a:rPr>
-              <a:t>      (</a:t>
-            </a:r>
-            <a:r>
-              <a:rPr lang="en-US" sz="2000" b="1" dirty="0" err="1">
-                <a:latin typeface="Courier New" pitchFamily="49" charset="0"/>
-              </a:rPr>
-              <a:t>cond</a:t>
-            </a:r>
-            <a:endParaRPr lang="en-US" sz="2000" b="1" dirty="0">
-              <a:latin typeface="Courier New" pitchFamily="49" charset="0"/>
-            </a:endParaRPr>
-          </a:p>
-          <a:p>
-            <a:pPr>
-              <a:lnSpc>
-                <a:spcPct val="80000"/>
-              </a:lnSpc>
-              <a:spcBef>
-                <a:spcPct val="5000"/>
-              </a:spcBef>
-              <a:buFontTx/>
-              <a:buNone/>
-            </a:pPr>
-            <a:r>
-              <a:rPr lang="en-US" sz="2000" b="1" dirty="0">
-                <a:latin typeface="Courier New" pitchFamily="49" charset="0"/>
-              </a:rPr>
-              <a:t>       [(null? slist) (apply-k unchanged)]  </a:t>
-            </a:r>
-          </a:p>
-          <a:p>
-            <a:pPr>
-              <a:lnSpc>
-                <a:spcPct val="80000"/>
-              </a:lnSpc>
-              <a:spcBef>
-                <a:spcPct val="5000"/>
-              </a:spcBef>
-              <a:buFontTx/>
-              <a:buNone/>
-            </a:pPr>
-            <a:r>
-              <a:rPr lang="en-US" sz="2000" b="1" dirty="0">
-                <a:solidFill>
-                  <a:srgbClr val="CC0097"/>
-                </a:solidFill>
-                <a:latin typeface="Courier New" pitchFamily="49" charset="0"/>
-              </a:rPr>
-              <a:t>       ; fill in the rest (next slide)</a:t>
+            <a:r>
+              <a:rPr lang="en-US" dirty="0"/>
+              <a:t>Continuations</a:t>
             </a:r>
           </a:p>
         </p:txBody>
       </p:sp>
       <p:sp>
         <p:nvSpPr>
-          <p:cNvPr id="125955" name="Text Box 3"/>
-          <p:cNvSpPr txBox="1">
-            <a:spLocks noChangeArrowheads="1"/>
+          <p:cNvPr id="3" name="Content Placeholder 2">
+            <a:extLst>
+              <a:ext uri="{FF2B5EF4-FFF2-40B4-BE49-F238E27FC236}">
+                <a16:creationId xmlns:a16="http://schemas.microsoft.com/office/drawing/2014/main" id="{60441771-29A8-4E4D-91F6-5F51B311F532}"/>
+              </a:ext>
+            </a:extLst>
+          </p:cNvPr>
+          <p:cNvSpPr>
+            <a:spLocks noGrp="1"/>
           </p:cNvSpPr>
-          <p:nvPr/>
-        </p:nvSpPr>
-        <p:spPr bwMode="auto">
-          <a:xfrm>
-            <a:off x="6781800" y="152400"/>
-            <a:ext cx="3505200" cy="1569660"/>
-          </a:xfrm>
-          <a:prstGeom prst="rect">
-            <a:avLst/>
-          </a:prstGeom>
-          <a:solidFill>
-            <a:srgbClr val="CC0097"/>
-          </a:solidFill>
-          <a:ln w="9525">
-            <a:noFill/>
-            <a:miter lim="800000"/>
-            <a:headEnd/>
-            <a:tailEnd/>
-          </a:ln>
-          <a:effectLst/>
-        </p:spPr>
+          <p:nvPr>
+            <p:ph idx="1"/>
+          </p:nvPr>
+        </p:nvSpPr>
+        <p:spPr/>
         <p:txBody>
-          <a:bodyPr>
-            <a:spAutoFit/>
-          </a:bodyPr>
+          <a:bodyPr/>
           <a:lstStyle/>
           <a:p>
-            <a:pPr>
-              <a:spcBef>
-                <a:spcPct val="50000"/>
-              </a:spcBef>
-            </a:pPr>
-            <a:r>
-              <a:rPr lang="en-US" sz="2400" b="1" dirty="0">
-                <a:solidFill>
-                  <a:schemeClr val="bg1"/>
-                </a:solidFill>
-              </a:rPr>
-              <a:t>A solution with succeed and fail continuations may be better…</a:t>
-            </a:r>
+            <a:r>
+              <a:rPr lang="en-US" dirty="0"/>
+              <a:t>Continuations are a mechanism to turn *any* recursive procedure into an iterative procedure</a:t>
+            </a:r>
+          </a:p>
+          <a:p>
+            <a:r>
+              <a:rPr lang="en-US" dirty="0"/>
+              <a:t>Of most interest, they will allow us to implement the scheme interpreter (which you may think of as fundamentally recursive) in an iterative way</a:t>
+            </a:r>
+          </a:p>
+          <a:p>
+            <a:r>
+              <a:rPr lang="en-US" dirty="0"/>
+              <a:t>You might think that is </a:t>
+            </a:r>
+            <a:r>
+              <a:rPr lang="en-US" dirty="0" err="1"/>
+              <a:t>is</a:t>
+            </a:r>
+            <a:r>
+              <a:rPr lang="en-US" dirty="0"/>
+              <a:t> a cop out because lambda is magic BUT it turns out lambda isn’t even required for continuations</a:t>
+            </a:r>
+          </a:p>
+          <a:p>
+            <a:endParaRPr lang="en-US" dirty="0"/>
+          </a:p>
+          <a:p>
+            <a:endParaRPr lang="en-US" dirty="0"/>
+          </a:p>
+          <a:p>
+            <a:endParaRPr lang="en-US" dirty="0"/>
           </a:p>
         </p:txBody>
       </p:sp>
     </p:spTree>
     <p:extLst>
       <p:ext uri="{BB962C8B-B14F-4D97-AF65-F5344CB8AC3E}">
-        <p14:creationId xmlns:p14="http://schemas.microsoft.com/office/powerpoint/2010/main" val="27739009"/>
+        <p14:creationId xmlns:p14="http://schemas.microsoft.com/office/powerpoint/2010/main" val="2020826101"/>
       </p:ext>
     </p:extLst>
   </p:cSld>
@@ -4136,6 +3778,1464 @@
       </p:grpSpPr>
       <p:sp>
         <p:nvSpPr>
+          <p:cNvPr id="2" name="Title 1"/>
+          <p:cNvSpPr>
+            <a:spLocks noGrp="1"/>
+          </p:cNvSpPr>
+          <p:nvPr>
+            <p:ph type="title"/>
+          </p:nvPr>
+        </p:nvSpPr>
+        <p:spPr/>
+        <p:txBody>
+          <a:bodyPr/>
+          <a:lstStyle/>
+          <a:p>
+            <a:r>
+              <a:rPr lang="en-US" dirty="0"/>
+              <a:t>Succeed and fail continuations</a:t>
+            </a:r>
+          </a:p>
+        </p:txBody>
+      </p:sp>
+      <p:sp>
+        <p:nvSpPr>
+          <p:cNvPr id="3" name="Content Placeholder 2"/>
+          <p:cNvSpPr>
+            <a:spLocks noGrp="1"/>
+          </p:cNvSpPr>
+          <p:nvPr>
+            <p:ph idx="1"/>
+          </p:nvPr>
+        </p:nvSpPr>
+        <p:spPr>
+          <a:xfrm>
+            <a:off x="2286000" y="1524001"/>
+            <a:ext cx="8382000" cy="4525963"/>
+          </a:xfrm>
+        </p:spPr>
+        <p:txBody>
+          <a:bodyPr/>
+          <a:lstStyle/>
+          <a:p>
+            <a:pPr marL="0" indent="0">
+              <a:buNone/>
+            </a:pPr>
+            <a:r>
+              <a:rPr lang="en-US" sz="2000" b="1" dirty="0">
+                <a:latin typeface="Courier New" panose="02070309020205020404" pitchFamily="49" charset="0"/>
+                <a:cs typeface="Courier New" panose="02070309020205020404" pitchFamily="49" charset="0"/>
+              </a:rPr>
+              <a:t>(define prod-cps </a:t>
+            </a:r>
+            <a:r>
+              <a:rPr lang="en-US" sz="2000" dirty="0">
+                <a:solidFill>
+                  <a:srgbClr val="CC0097"/>
+                </a:solidFill>
+              </a:rPr>
+              <a:t>; fill in the continuations at the end</a:t>
+            </a:r>
+            <a:r>
+              <a:rPr lang="en-US" sz="2000" b="1" dirty="0">
+                <a:solidFill>
+                  <a:srgbClr val="CC0097"/>
+                </a:solidFill>
+                <a:latin typeface="Courier New" panose="02070309020205020404" pitchFamily="49" charset="0"/>
+                <a:cs typeface="Courier New" panose="02070309020205020404" pitchFamily="49" charset="0"/>
+              </a:rPr>
+              <a:t> </a:t>
+            </a:r>
+          </a:p>
+          <a:p>
+            <a:pPr marL="0" indent="0">
+              <a:buNone/>
+            </a:pPr>
+            <a:r>
+              <a:rPr lang="en-US" sz="2000" b="1" dirty="0">
+                <a:solidFill>
+                  <a:srgbClr val="CC0097"/>
+                </a:solidFill>
+                <a:latin typeface="Courier New" panose="02070309020205020404" pitchFamily="49" charset="0"/>
+                <a:cs typeface="Courier New" panose="02070309020205020404" pitchFamily="49" charset="0"/>
+              </a:rPr>
+              <a:t>  </a:t>
+            </a:r>
+            <a:r>
+              <a:rPr lang="en-US" sz="2000" b="1" dirty="0">
+                <a:latin typeface="Courier New" panose="02070309020205020404" pitchFamily="49" charset="0"/>
+                <a:cs typeface="Courier New" panose="02070309020205020404" pitchFamily="49" charset="0"/>
+              </a:rPr>
+              <a:t>(lambda (L succeed fail) </a:t>
+            </a:r>
+          </a:p>
+          <a:p>
+            <a:pPr marL="0" indent="0">
+              <a:buNone/>
+            </a:pPr>
+            <a:r>
+              <a:rPr lang="en-US" sz="2000" b="1" dirty="0">
+                <a:latin typeface="Courier New" panose="02070309020205020404" pitchFamily="49" charset="0"/>
+                <a:cs typeface="Courier New" panose="02070309020205020404" pitchFamily="49" charset="0"/>
+              </a:rPr>
+              <a:t>    (</a:t>
+            </a:r>
+            <a:r>
+              <a:rPr lang="en-US" sz="2000" b="1" dirty="0" err="1">
+                <a:latin typeface="Courier New" panose="02070309020205020404" pitchFamily="49" charset="0"/>
+                <a:cs typeface="Courier New" panose="02070309020205020404" pitchFamily="49" charset="0"/>
+              </a:rPr>
+              <a:t>cond</a:t>
+            </a:r>
+            <a:r>
+              <a:rPr lang="en-US" sz="2000" b="1" dirty="0">
+                <a:latin typeface="Courier New" panose="02070309020205020404" pitchFamily="49" charset="0"/>
+                <a:cs typeface="Courier New" panose="02070309020205020404" pitchFamily="49" charset="0"/>
+              </a:rPr>
+              <a:t> [(null? L) (apply-k succeed 1)] </a:t>
+            </a:r>
+          </a:p>
+          <a:p>
+            <a:pPr marL="0" indent="0">
+              <a:buNone/>
+            </a:pPr>
+            <a:r>
+              <a:rPr lang="en-US" sz="2000" b="1" dirty="0">
+                <a:latin typeface="Courier New" panose="02070309020205020404" pitchFamily="49" charset="0"/>
+                <a:cs typeface="Courier New" panose="02070309020205020404" pitchFamily="49" charset="0"/>
+              </a:rPr>
+              <a:t>          [(zero? (car L)) (apply-k fail)] </a:t>
+            </a:r>
+          </a:p>
+          <a:p>
+            <a:pPr marL="0" indent="0">
+              <a:buNone/>
+            </a:pPr>
+            <a:r>
+              <a:rPr lang="en-US" sz="2000" b="1" dirty="0">
+                <a:latin typeface="Courier New" panose="02070309020205020404" pitchFamily="49" charset="0"/>
+                <a:cs typeface="Courier New" panose="02070309020205020404" pitchFamily="49" charset="0"/>
+              </a:rPr>
+              <a:t>          [else (prod-cps (cdr L)</a:t>
+            </a:r>
+          </a:p>
+          <a:p>
+            <a:pPr marL="0" indent="0">
+              <a:buNone/>
+            </a:pPr>
+            <a:r>
+              <a:rPr lang="en-US" sz="2000" dirty="0">
+                <a:solidFill>
+                  <a:srgbClr val="CC0097"/>
+                </a:solidFill>
+              </a:rPr>
+              <a:t>Code that uses prod-cps:</a:t>
+            </a:r>
+          </a:p>
+          <a:p>
+            <a:pPr marL="0" indent="0">
+              <a:buNone/>
+            </a:pPr>
+            <a:r>
+              <a:rPr lang="en-US" sz="2000" b="1" dirty="0">
+                <a:latin typeface="Courier New" panose="02070309020205020404" pitchFamily="49" charset="0"/>
+                <a:cs typeface="Courier New" panose="02070309020205020404" pitchFamily="49" charset="0"/>
+              </a:rPr>
+              <a:t>(define print-list-product </a:t>
+            </a:r>
+          </a:p>
+          <a:p>
+            <a:pPr marL="0" indent="0">
+              <a:buNone/>
+            </a:pPr>
+            <a:r>
+              <a:rPr lang="en-US" sz="2000" b="1" dirty="0">
+                <a:latin typeface="Courier New" panose="02070309020205020404" pitchFamily="49" charset="0"/>
+                <a:cs typeface="Courier New" panose="02070309020205020404" pitchFamily="49" charset="0"/>
+              </a:rPr>
+              <a:t> (lambda (list) </a:t>
+            </a:r>
+          </a:p>
+          <a:p>
+            <a:pPr marL="0" indent="0">
+              <a:buNone/>
+            </a:pPr>
+            <a:r>
+              <a:rPr lang="en-US" sz="2000" b="1" dirty="0">
+                <a:latin typeface="Courier New" panose="02070309020205020404" pitchFamily="49" charset="0"/>
+                <a:cs typeface="Courier New" panose="02070309020205020404" pitchFamily="49" charset="0"/>
+              </a:rPr>
+              <a:t>    (prod-cps list </a:t>
+            </a:r>
+          </a:p>
+          <a:p>
+            <a:pPr marL="0" indent="0">
+              <a:buNone/>
+            </a:pPr>
+            <a:r>
+              <a:rPr lang="en-US" sz="2000" b="1" dirty="0">
+                <a:latin typeface="Courier New" panose="02070309020205020404" pitchFamily="49" charset="0"/>
+                <a:cs typeface="Courier New" panose="02070309020205020404" pitchFamily="49" charset="0"/>
+              </a:rPr>
+              <a:t>         (make-k(lambda (prod) </a:t>
+            </a:r>
+          </a:p>
+          <a:p>
+            <a:pPr marL="0" indent="0">
+              <a:buNone/>
+            </a:pPr>
+            <a:r>
+              <a:rPr lang="en-US" sz="2000" b="1" dirty="0">
+                <a:latin typeface="Courier New" panose="02070309020205020404" pitchFamily="49" charset="0"/>
+                <a:cs typeface="Courier New" panose="02070309020205020404" pitchFamily="49" charset="0"/>
+              </a:rPr>
+              <a:t>           (</a:t>
+            </a:r>
+            <a:r>
+              <a:rPr lang="en-US" sz="2000" b="1" dirty="0" err="1">
+                <a:latin typeface="Courier New" panose="02070309020205020404" pitchFamily="49" charset="0"/>
+                <a:cs typeface="Courier New" panose="02070309020205020404" pitchFamily="49" charset="0"/>
+              </a:rPr>
+              <a:t>printf</a:t>
+            </a:r>
+            <a:r>
+              <a:rPr lang="en-US" sz="2000" b="1" dirty="0">
+                <a:latin typeface="Courier New" panose="02070309020205020404" pitchFamily="49" charset="0"/>
+                <a:cs typeface="Courier New" panose="02070309020205020404" pitchFamily="49" charset="0"/>
+              </a:rPr>
+              <a:t> "The product is ~</a:t>
+            </a:r>
+            <a:r>
+              <a:rPr lang="en-US" sz="2000" b="1" dirty="0" err="1">
+                <a:latin typeface="Courier New" panose="02070309020205020404" pitchFamily="49" charset="0"/>
+                <a:cs typeface="Courier New" panose="02070309020205020404" pitchFamily="49" charset="0"/>
+              </a:rPr>
+              <a:t>s~n</a:t>
+            </a:r>
+            <a:r>
+              <a:rPr lang="en-US" sz="2000" b="1" dirty="0">
+                <a:latin typeface="Courier New" panose="02070309020205020404" pitchFamily="49" charset="0"/>
+                <a:cs typeface="Courier New" panose="02070309020205020404" pitchFamily="49" charset="0"/>
+              </a:rPr>
+              <a:t>" prod))) </a:t>
+            </a:r>
+          </a:p>
+          <a:p>
+            <a:pPr marL="0" indent="0">
+              <a:buNone/>
+            </a:pPr>
+            <a:r>
+              <a:rPr lang="en-US" sz="2000" b="1" dirty="0">
+                <a:latin typeface="Courier New" panose="02070309020205020404" pitchFamily="49" charset="0"/>
+                <a:cs typeface="Courier New" panose="02070309020205020404" pitchFamily="49" charset="0"/>
+              </a:rPr>
+              <a:t>        (make-k (lambda () </a:t>
+            </a:r>
+          </a:p>
+          <a:p>
+            <a:pPr marL="0" indent="0">
+              <a:buNone/>
+            </a:pPr>
+            <a:r>
+              <a:rPr lang="en-US" sz="2000" b="1" dirty="0">
+                <a:latin typeface="Courier New" panose="02070309020205020404" pitchFamily="49" charset="0"/>
+                <a:cs typeface="Courier New" panose="02070309020205020404" pitchFamily="49" charset="0"/>
+              </a:rPr>
+              <a:t>           (</a:t>
+            </a:r>
+            <a:r>
+              <a:rPr lang="en-US" sz="2000" b="1" dirty="0" err="1">
+                <a:latin typeface="Courier New" panose="02070309020205020404" pitchFamily="49" charset="0"/>
+                <a:cs typeface="Courier New" panose="02070309020205020404" pitchFamily="49" charset="0"/>
+              </a:rPr>
+              <a:t>printf</a:t>
+            </a:r>
+            <a:r>
+              <a:rPr lang="en-US" sz="2000" b="1" dirty="0">
+                <a:latin typeface="Courier New" panose="02070309020205020404" pitchFamily="49" charset="0"/>
+                <a:cs typeface="Courier New" panose="02070309020205020404" pitchFamily="49" charset="0"/>
+              </a:rPr>
+              <a:t> "zero found, product is 0”)))))</a:t>
+            </a:r>
+          </a:p>
+          <a:p>
+            <a:pPr marL="0" indent="0">
+              <a:buNone/>
+            </a:pPr>
+            <a:endParaRPr lang="en-US" dirty="0"/>
+          </a:p>
+        </p:txBody>
+      </p:sp>
+    </p:spTree>
+    <p:extLst>
+      <p:ext uri="{BB962C8B-B14F-4D97-AF65-F5344CB8AC3E}">
+        <p14:creationId xmlns:p14="http://schemas.microsoft.com/office/powerpoint/2010/main" val="1035618249"/>
+      </p:ext>
+    </p:extLst>
+  </p:cSld>
+  <p:clrMapOvr>
+    <a:masterClrMapping/>
+  </p:clrMapOvr>
+</p:sld>
+</file>
+
+<file path=ppt/slides/slide12.xml><?xml version="1.0" encoding="utf-8"?>
+<p:sld xmlns:a="http://schemas.openxmlformats.org/drawingml/2006/main" xmlns:r="http://schemas.openxmlformats.org/officeDocument/2006/relationships" xmlns:p="http://schemas.openxmlformats.org/presentationml/2006/main" show="0">
+  <p:cSld>
+    <p:spTree>
+      <p:nvGrpSpPr>
+        <p:cNvPr id="1" name=""/>
+        <p:cNvGrpSpPr/>
+        <p:nvPr/>
+      </p:nvGrpSpPr>
+      <p:grpSpPr>
+        <a:xfrm>
+          <a:off x="0" y="0"/>
+          <a:ext cx="0" cy="0"/>
+          <a:chOff x="0" y="0"/>
+          <a:chExt cx="0" cy="0"/>
+        </a:xfrm>
+      </p:grpSpPr>
+      <p:sp>
+        <p:nvSpPr>
+          <p:cNvPr id="2" name="Title 1"/>
+          <p:cNvSpPr>
+            <a:spLocks noGrp="1"/>
+          </p:cNvSpPr>
+          <p:nvPr>
+            <p:ph type="title"/>
+          </p:nvPr>
+        </p:nvSpPr>
+        <p:spPr/>
+        <p:txBody>
+          <a:bodyPr/>
+          <a:lstStyle/>
+          <a:p>
+            <a:r>
+              <a:rPr lang="en-US" dirty="0"/>
+              <a:t>Succeed and fail continuations</a:t>
+            </a:r>
+          </a:p>
+        </p:txBody>
+      </p:sp>
+      <p:sp>
+        <p:nvSpPr>
+          <p:cNvPr id="3" name="Content Placeholder 2"/>
+          <p:cNvSpPr>
+            <a:spLocks noGrp="1"/>
+          </p:cNvSpPr>
+          <p:nvPr>
+            <p:ph idx="1"/>
+          </p:nvPr>
+        </p:nvSpPr>
+        <p:spPr>
+          <a:xfrm>
+            <a:off x="2286000" y="1524001"/>
+            <a:ext cx="8382000" cy="4525963"/>
+          </a:xfrm>
+        </p:spPr>
+        <p:txBody>
+          <a:bodyPr/>
+          <a:lstStyle/>
+          <a:p>
+            <a:pPr marL="0" indent="0">
+              <a:buNone/>
+            </a:pPr>
+            <a:r>
+              <a:rPr lang="en-US" sz="2000" b="1" dirty="0">
+                <a:latin typeface="Courier New" panose="02070309020205020404" pitchFamily="49" charset="0"/>
+                <a:cs typeface="Courier New" panose="02070309020205020404" pitchFamily="49" charset="0"/>
+              </a:rPr>
+              <a:t>(define prod-cps </a:t>
+            </a:r>
+            <a:r>
+              <a:rPr lang="en-US" sz="2000" dirty="0">
+                <a:solidFill>
+                  <a:srgbClr val="CC0097"/>
+                </a:solidFill>
+              </a:rPr>
+              <a:t>; fill in the continuations at the end</a:t>
+            </a:r>
+            <a:r>
+              <a:rPr lang="en-US" sz="2000" b="1" dirty="0">
+                <a:solidFill>
+                  <a:srgbClr val="CC0097"/>
+                </a:solidFill>
+                <a:latin typeface="Courier New" panose="02070309020205020404" pitchFamily="49" charset="0"/>
+                <a:cs typeface="Courier New" panose="02070309020205020404" pitchFamily="49" charset="0"/>
+              </a:rPr>
+              <a:t> </a:t>
+            </a:r>
+          </a:p>
+          <a:p>
+            <a:pPr marL="0" indent="0">
+              <a:buNone/>
+            </a:pPr>
+            <a:r>
+              <a:rPr lang="en-US" sz="2000" b="1" dirty="0">
+                <a:solidFill>
+                  <a:srgbClr val="CC0097"/>
+                </a:solidFill>
+                <a:latin typeface="Courier New" panose="02070309020205020404" pitchFamily="49" charset="0"/>
+                <a:cs typeface="Courier New" panose="02070309020205020404" pitchFamily="49" charset="0"/>
+              </a:rPr>
+              <a:t>  </a:t>
+            </a:r>
+            <a:r>
+              <a:rPr lang="en-US" sz="2000" b="1" dirty="0">
+                <a:latin typeface="Courier New" panose="02070309020205020404" pitchFamily="49" charset="0"/>
+                <a:cs typeface="Courier New" panose="02070309020205020404" pitchFamily="49" charset="0"/>
+              </a:rPr>
+              <a:t>(lambda (L succeed fail) </a:t>
+            </a:r>
+          </a:p>
+          <a:p>
+            <a:pPr marL="0" indent="0">
+              <a:buNone/>
+            </a:pPr>
+            <a:r>
+              <a:rPr lang="en-US" sz="2000" b="1" dirty="0">
+                <a:latin typeface="Courier New" panose="02070309020205020404" pitchFamily="49" charset="0"/>
+                <a:cs typeface="Courier New" panose="02070309020205020404" pitchFamily="49" charset="0"/>
+              </a:rPr>
+              <a:t>    (</a:t>
+            </a:r>
+            <a:r>
+              <a:rPr lang="en-US" sz="2000" b="1" dirty="0" err="1">
+                <a:latin typeface="Courier New" panose="02070309020205020404" pitchFamily="49" charset="0"/>
+                <a:cs typeface="Courier New" panose="02070309020205020404" pitchFamily="49" charset="0"/>
+              </a:rPr>
+              <a:t>cond</a:t>
+            </a:r>
+            <a:r>
+              <a:rPr lang="en-US" sz="2000" b="1" dirty="0">
+                <a:latin typeface="Courier New" panose="02070309020205020404" pitchFamily="49" charset="0"/>
+                <a:cs typeface="Courier New" panose="02070309020205020404" pitchFamily="49" charset="0"/>
+              </a:rPr>
+              <a:t> [(null? L) (apply-k succeed 1)] </a:t>
+            </a:r>
+          </a:p>
+          <a:p>
+            <a:pPr marL="0" indent="0">
+              <a:buNone/>
+            </a:pPr>
+            <a:r>
+              <a:rPr lang="en-US" sz="2000" b="1" dirty="0">
+                <a:latin typeface="Courier New" panose="02070309020205020404" pitchFamily="49" charset="0"/>
+                <a:cs typeface="Courier New" panose="02070309020205020404" pitchFamily="49" charset="0"/>
+              </a:rPr>
+              <a:t>          [(zero? (car L)) (apply-k fail)] </a:t>
+            </a:r>
+          </a:p>
+          <a:p>
+            <a:pPr marL="0" indent="0">
+              <a:buNone/>
+            </a:pPr>
+            <a:r>
+              <a:rPr lang="en-US" sz="2000" b="1" dirty="0">
+                <a:latin typeface="Courier New" panose="02070309020205020404" pitchFamily="49" charset="0"/>
+                <a:cs typeface="Courier New" panose="02070309020205020404" pitchFamily="49" charset="0"/>
+              </a:rPr>
+              <a:t>          [else (prod-cps (cdr L)</a:t>
+            </a:r>
+          </a:p>
+          <a:p>
+            <a:pPr marL="0" indent="0">
+              <a:buNone/>
+            </a:pPr>
+            <a:r>
+              <a:rPr lang="en-US" sz="2000" dirty="0">
+                <a:solidFill>
+                  <a:srgbClr val="CC0097"/>
+                </a:solidFill>
+              </a:rPr>
+              <a:t>Code that uses prod-cps:</a:t>
+            </a:r>
+          </a:p>
+          <a:p>
+            <a:pPr marL="0" indent="0">
+              <a:buNone/>
+            </a:pPr>
+            <a:r>
+              <a:rPr lang="en-US" sz="2000" b="1" dirty="0">
+                <a:latin typeface="Courier New" panose="02070309020205020404" pitchFamily="49" charset="0"/>
+                <a:cs typeface="Courier New" panose="02070309020205020404" pitchFamily="49" charset="0"/>
+              </a:rPr>
+              <a:t>(define print-list-product </a:t>
+            </a:r>
+          </a:p>
+          <a:p>
+            <a:pPr marL="0" indent="0">
+              <a:buNone/>
+            </a:pPr>
+            <a:r>
+              <a:rPr lang="en-US" sz="2000" b="1" dirty="0">
+                <a:latin typeface="Courier New" panose="02070309020205020404" pitchFamily="49" charset="0"/>
+                <a:cs typeface="Courier New" panose="02070309020205020404" pitchFamily="49" charset="0"/>
+              </a:rPr>
+              <a:t> (lambda (list) </a:t>
+            </a:r>
+          </a:p>
+          <a:p>
+            <a:pPr marL="0" indent="0">
+              <a:buNone/>
+            </a:pPr>
+            <a:r>
+              <a:rPr lang="en-US" sz="2000" b="1" dirty="0">
+                <a:latin typeface="Courier New" panose="02070309020205020404" pitchFamily="49" charset="0"/>
+                <a:cs typeface="Courier New" panose="02070309020205020404" pitchFamily="49" charset="0"/>
+              </a:rPr>
+              <a:t>    (prod-cps list </a:t>
+            </a:r>
+          </a:p>
+          <a:p>
+            <a:pPr marL="0" indent="0">
+              <a:buNone/>
+            </a:pPr>
+            <a:r>
+              <a:rPr lang="en-US" sz="2000" b="1" dirty="0">
+                <a:latin typeface="Courier New" panose="02070309020205020404" pitchFamily="49" charset="0"/>
+                <a:cs typeface="Courier New" panose="02070309020205020404" pitchFamily="49" charset="0"/>
+              </a:rPr>
+              <a:t>         (make-k(lambda (prod) </a:t>
+            </a:r>
+          </a:p>
+          <a:p>
+            <a:pPr marL="0" indent="0">
+              <a:buNone/>
+            </a:pPr>
+            <a:r>
+              <a:rPr lang="en-US" sz="2000" b="1" dirty="0">
+                <a:latin typeface="Courier New" panose="02070309020205020404" pitchFamily="49" charset="0"/>
+                <a:cs typeface="Courier New" panose="02070309020205020404" pitchFamily="49" charset="0"/>
+              </a:rPr>
+              <a:t>           (</a:t>
+            </a:r>
+            <a:r>
+              <a:rPr lang="en-US" sz="2000" b="1" dirty="0" err="1">
+                <a:latin typeface="Courier New" panose="02070309020205020404" pitchFamily="49" charset="0"/>
+                <a:cs typeface="Courier New" panose="02070309020205020404" pitchFamily="49" charset="0"/>
+              </a:rPr>
+              <a:t>printf</a:t>
+            </a:r>
+            <a:r>
+              <a:rPr lang="en-US" sz="2000" b="1" dirty="0">
+                <a:latin typeface="Courier New" panose="02070309020205020404" pitchFamily="49" charset="0"/>
+                <a:cs typeface="Courier New" panose="02070309020205020404" pitchFamily="49" charset="0"/>
+              </a:rPr>
+              <a:t> "The product is ~</a:t>
+            </a:r>
+            <a:r>
+              <a:rPr lang="en-US" sz="2000" b="1" dirty="0" err="1">
+                <a:latin typeface="Courier New" panose="02070309020205020404" pitchFamily="49" charset="0"/>
+                <a:cs typeface="Courier New" panose="02070309020205020404" pitchFamily="49" charset="0"/>
+              </a:rPr>
+              <a:t>s~n</a:t>
+            </a:r>
+            <a:r>
+              <a:rPr lang="en-US" sz="2000" b="1" dirty="0">
+                <a:latin typeface="Courier New" panose="02070309020205020404" pitchFamily="49" charset="0"/>
+                <a:cs typeface="Courier New" panose="02070309020205020404" pitchFamily="49" charset="0"/>
+              </a:rPr>
+              <a:t>" prod))) </a:t>
+            </a:r>
+          </a:p>
+          <a:p>
+            <a:pPr marL="0" indent="0">
+              <a:buNone/>
+            </a:pPr>
+            <a:r>
+              <a:rPr lang="en-US" sz="2000" b="1" dirty="0">
+                <a:latin typeface="Courier New" panose="02070309020205020404" pitchFamily="49" charset="0"/>
+                <a:cs typeface="Courier New" panose="02070309020205020404" pitchFamily="49" charset="0"/>
+              </a:rPr>
+              <a:t>        (make-k (lambda () </a:t>
+            </a:r>
+          </a:p>
+          <a:p>
+            <a:pPr marL="0" indent="0">
+              <a:buNone/>
+            </a:pPr>
+            <a:r>
+              <a:rPr lang="en-US" sz="2000" b="1" dirty="0">
+                <a:latin typeface="Courier New" panose="02070309020205020404" pitchFamily="49" charset="0"/>
+                <a:cs typeface="Courier New" panose="02070309020205020404" pitchFamily="49" charset="0"/>
+              </a:rPr>
+              <a:t>           (</a:t>
+            </a:r>
+            <a:r>
+              <a:rPr lang="en-US" sz="2000" b="1" dirty="0" err="1">
+                <a:latin typeface="Courier New" panose="02070309020205020404" pitchFamily="49" charset="0"/>
+                <a:cs typeface="Courier New" panose="02070309020205020404" pitchFamily="49" charset="0"/>
+              </a:rPr>
+              <a:t>printf</a:t>
+            </a:r>
+            <a:r>
+              <a:rPr lang="en-US" sz="2000" b="1" dirty="0">
+                <a:latin typeface="Courier New" panose="02070309020205020404" pitchFamily="49" charset="0"/>
+                <a:cs typeface="Courier New" panose="02070309020205020404" pitchFamily="49" charset="0"/>
+              </a:rPr>
+              <a:t> "zero found, product is 0”)))))</a:t>
+            </a:r>
+          </a:p>
+          <a:p>
+            <a:pPr marL="0" indent="0">
+              <a:buNone/>
+            </a:pPr>
+            <a:endParaRPr lang="en-US" dirty="0"/>
+          </a:p>
+        </p:txBody>
+      </p:sp>
+      <p:sp>
+        <p:nvSpPr>
+          <p:cNvPr id="4" name="TextBox 3">
+            <a:extLst>
+              <a:ext uri="{FF2B5EF4-FFF2-40B4-BE49-F238E27FC236}">
+                <a16:creationId xmlns:a16="http://schemas.microsoft.com/office/drawing/2014/main" id="{94B9B92A-AF06-4C4D-99BD-FF9E930AC057}"/>
+              </a:ext>
+            </a:extLst>
+          </p:cNvPr>
+          <p:cNvSpPr txBox="1"/>
+          <p:nvPr/>
+        </p:nvSpPr>
+        <p:spPr>
+          <a:xfrm>
+            <a:off x="6705601" y="3581401"/>
+            <a:ext cx="3733799" cy="1384995"/>
+          </a:xfrm>
+          <a:prstGeom prst="rect">
+            <a:avLst/>
+          </a:prstGeom>
+          <a:noFill/>
+        </p:spPr>
+        <p:txBody>
+          <a:bodyPr wrap="square" rtlCol="0">
+            <a:spAutoFit/>
+          </a:bodyPr>
+          <a:lstStyle/>
+          <a:p>
+            <a:r>
+              <a:rPr lang="en-US" sz="2000" b="1" dirty="0">
+                <a:solidFill>
+                  <a:srgbClr val="C42EAD"/>
+                </a:solidFill>
+                <a:latin typeface="Courier New" panose="02070309020205020404" pitchFamily="49" charset="0"/>
+                <a:cs typeface="Courier New" panose="02070309020205020404" pitchFamily="49" charset="0"/>
+              </a:rPr>
+              <a:t>(define apply-k</a:t>
+            </a:r>
+          </a:p>
+          <a:p>
+            <a:r>
+              <a:rPr lang="en-US" sz="2000" b="1" dirty="0">
+                <a:solidFill>
+                  <a:srgbClr val="C42EAD"/>
+                </a:solidFill>
+                <a:latin typeface="Courier New" panose="02070309020205020404" pitchFamily="49" charset="0"/>
+                <a:cs typeface="Courier New" panose="02070309020205020404" pitchFamily="49" charset="0"/>
+              </a:rPr>
+              <a:t>  (lambda (k . </a:t>
+            </a:r>
+            <a:r>
+              <a:rPr lang="en-US" sz="2000" b="1" dirty="0" err="1">
+                <a:solidFill>
+                  <a:srgbClr val="C42EAD"/>
+                </a:solidFill>
+                <a:latin typeface="Courier New" panose="02070309020205020404" pitchFamily="49" charset="0"/>
+                <a:cs typeface="Courier New" panose="02070309020205020404" pitchFamily="49" charset="0"/>
+              </a:rPr>
+              <a:t>vals</a:t>
+            </a:r>
+            <a:r>
+              <a:rPr lang="en-US" sz="2000" b="1" dirty="0">
+                <a:solidFill>
+                  <a:srgbClr val="C42EAD"/>
+                </a:solidFill>
+                <a:latin typeface="Courier New" panose="02070309020205020404" pitchFamily="49" charset="0"/>
+                <a:cs typeface="Courier New" panose="02070309020205020404" pitchFamily="49" charset="0"/>
+              </a:rPr>
+              <a:t>)</a:t>
+            </a:r>
+          </a:p>
+          <a:p>
+            <a:r>
+              <a:rPr lang="en-US" sz="2000" b="1" dirty="0">
+                <a:solidFill>
+                  <a:srgbClr val="C42EAD"/>
+                </a:solidFill>
+                <a:latin typeface="Courier New" panose="02070309020205020404" pitchFamily="49" charset="0"/>
+                <a:cs typeface="Courier New" panose="02070309020205020404" pitchFamily="49" charset="0"/>
+              </a:rPr>
+              <a:t>    (apply k </a:t>
+            </a:r>
+            <a:r>
+              <a:rPr lang="en-US" sz="2000" b="1" dirty="0" err="1">
+                <a:solidFill>
+                  <a:srgbClr val="C42EAD"/>
+                </a:solidFill>
+                <a:latin typeface="Courier New" panose="02070309020205020404" pitchFamily="49" charset="0"/>
+                <a:cs typeface="Courier New" panose="02070309020205020404" pitchFamily="49" charset="0"/>
+              </a:rPr>
+              <a:t>vals</a:t>
+            </a:r>
+            <a:r>
+              <a:rPr lang="en-US" sz="2000" b="1" dirty="0">
+                <a:solidFill>
+                  <a:srgbClr val="C42EAD"/>
+                </a:solidFill>
+                <a:latin typeface="Courier New" panose="02070309020205020404" pitchFamily="49" charset="0"/>
+                <a:cs typeface="Courier New" panose="02070309020205020404" pitchFamily="49" charset="0"/>
+              </a:rPr>
+              <a:t>)))</a:t>
+            </a:r>
+          </a:p>
+          <a:p>
+            <a:endParaRPr lang="en-US" sz="2400" b="1" dirty="0">
+              <a:solidFill>
+                <a:srgbClr val="C42EAD"/>
+              </a:solidFill>
+            </a:endParaRPr>
+          </a:p>
+        </p:txBody>
+      </p:sp>
+    </p:spTree>
+    <p:extLst>
+      <p:ext uri="{BB962C8B-B14F-4D97-AF65-F5344CB8AC3E}">
+        <p14:creationId xmlns:p14="http://schemas.microsoft.com/office/powerpoint/2010/main" val="1147710763"/>
+      </p:ext>
+    </p:extLst>
+  </p:cSld>
+  <p:clrMapOvr>
+    <a:masterClrMapping/>
+  </p:clrMapOvr>
+</p:sld>
+</file>
+
+<file path=ppt/slides/slide13.xml><?xml version="1.0" encoding="utf-8"?>
+<p:sld xmlns:a="http://schemas.openxmlformats.org/drawingml/2006/main" xmlns:r="http://schemas.openxmlformats.org/officeDocument/2006/relationships" xmlns:p="http://schemas.openxmlformats.org/presentationml/2006/main" show="0">
+  <p:cSld>
+    <p:spTree>
+      <p:nvGrpSpPr>
+        <p:cNvPr id="1" name=""/>
+        <p:cNvGrpSpPr/>
+        <p:nvPr/>
+      </p:nvGrpSpPr>
+      <p:grpSpPr>
+        <a:xfrm>
+          <a:off x="0" y="0"/>
+          <a:ext cx="0" cy="0"/>
+          <a:chOff x="0" y="0"/>
+          <a:chExt cx="0" cy="0"/>
+        </a:xfrm>
+      </p:grpSpPr>
+      <p:sp>
+        <p:nvSpPr>
+          <p:cNvPr id="124930" name="Rectangle 2"/>
+          <p:cNvSpPr>
+            <a:spLocks noGrp="1" noChangeArrowheads="1"/>
+          </p:cNvSpPr>
+          <p:nvPr>
+            <p:ph type="title"/>
+          </p:nvPr>
+        </p:nvSpPr>
+        <p:spPr/>
+        <p:txBody>
+          <a:bodyPr/>
+          <a:lstStyle/>
+          <a:p>
+            <a:r>
+              <a:rPr lang="en-US" sz="4000"/>
+              <a:t>Subst-leftmost with continuations</a:t>
+            </a:r>
+          </a:p>
+        </p:txBody>
+      </p:sp>
+      <p:sp>
+        <p:nvSpPr>
+          <p:cNvPr id="124931" name="Rectangle 3"/>
+          <p:cNvSpPr>
+            <a:spLocks noGrp="1" noChangeArrowheads="1"/>
+          </p:cNvSpPr>
+          <p:nvPr>
+            <p:ph type="body" idx="1"/>
+          </p:nvPr>
+        </p:nvSpPr>
+        <p:spPr>
+          <a:xfrm>
+            <a:off x="2895600" y="1600201"/>
+            <a:ext cx="7086600" cy="4525963"/>
+          </a:xfrm>
+        </p:spPr>
+        <p:txBody>
+          <a:bodyPr/>
+          <a:lstStyle/>
+          <a:p>
+            <a:r>
+              <a:rPr lang="en-US"/>
+              <a:t>What does </a:t>
+            </a:r>
+            <a:r>
+              <a:rPr lang="en-US" b="1">
+                <a:latin typeface="Courier New" pitchFamily="49" charset="0"/>
+              </a:rPr>
+              <a:t>subst-leftmost</a:t>
+            </a:r>
+            <a:r>
+              <a:rPr lang="en-US"/>
+              <a:t> do?</a:t>
+            </a:r>
+          </a:p>
+          <a:p>
+            <a:r>
+              <a:rPr lang="en-US"/>
+              <a:t>Why was it hard?</a:t>
+            </a:r>
+            <a:br>
+              <a:rPr lang="en-US"/>
+            </a:br>
+            <a:endParaRPr lang="en-US"/>
+          </a:p>
+          <a:p>
+            <a:pPr>
+              <a:buFontTx/>
+              <a:buNone/>
+            </a:pPr>
+            <a:endParaRPr lang="en-US" b="1">
+              <a:latin typeface="Courier New" pitchFamily="49" charset="0"/>
+            </a:endParaRPr>
+          </a:p>
+        </p:txBody>
+      </p:sp>
+    </p:spTree>
+    <p:extLst>
+      <p:ext uri="{BB962C8B-B14F-4D97-AF65-F5344CB8AC3E}">
+        <p14:creationId xmlns:p14="http://schemas.microsoft.com/office/powerpoint/2010/main" val="926876424"/>
+      </p:ext>
+    </p:extLst>
+  </p:cSld>
+  <p:clrMapOvr>
+    <a:masterClrMapping/>
+  </p:clrMapOvr>
+</p:sld>
+</file>
+
+<file path=ppt/slides/slide14.xml><?xml version="1.0" encoding="utf-8"?>
+<p:sld xmlns:a="http://schemas.openxmlformats.org/drawingml/2006/main" xmlns:r="http://schemas.openxmlformats.org/officeDocument/2006/relationships" xmlns:p="http://schemas.openxmlformats.org/presentationml/2006/main" show="0">
+  <p:cSld>
+    <p:spTree>
+      <p:nvGrpSpPr>
+        <p:cNvPr id="1" name=""/>
+        <p:cNvGrpSpPr/>
+        <p:nvPr/>
+      </p:nvGrpSpPr>
+      <p:grpSpPr>
+        <a:xfrm>
+          <a:off x="0" y="0"/>
+          <a:ext cx="0" cy="0"/>
+          <a:chOff x="0" y="0"/>
+          <a:chExt cx="0" cy="0"/>
+        </a:xfrm>
+      </p:grpSpPr>
+      <p:sp>
+        <p:nvSpPr>
+          <p:cNvPr id="125954" name="Rectangle 2"/>
+          <p:cNvSpPr>
+            <a:spLocks noGrp="1" noChangeArrowheads="1"/>
+          </p:cNvSpPr>
+          <p:nvPr>
+            <p:ph type="body" idx="1"/>
+          </p:nvPr>
+        </p:nvSpPr>
+        <p:spPr>
+          <a:xfrm>
+            <a:off x="2362200" y="0"/>
+            <a:ext cx="8077200" cy="6172200"/>
+          </a:xfrm>
+        </p:spPr>
+        <p:txBody>
+          <a:bodyPr/>
+          <a:lstStyle/>
+          <a:p>
+            <a:pPr>
+              <a:lnSpc>
+                <a:spcPct val="80000"/>
+              </a:lnSpc>
+              <a:spcBef>
+                <a:spcPct val="5000"/>
+              </a:spcBef>
+              <a:buFontTx/>
+              <a:buNone/>
+            </a:pPr>
+            <a:endParaRPr lang="en-US" sz="2000" b="1" dirty="0">
+              <a:latin typeface="Courier New" pitchFamily="49" charset="0"/>
+            </a:endParaRPr>
+          </a:p>
+          <a:p>
+            <a:pPr>
+              <a:lnSpc>
+                <a:spcPct val="80000"/>
+              </a:lnSpc>
+              <a:spcBef>
+                <a:spcPct val="5000"/>
+              </a:spcBef>
+              <a:buFontTx/>
+              <a:buNone/>
+            </a:pPr>
+            <a:r>
+              <a:rPr lang="en-US" sz="2000" b="1" dirty="0">
+                <a:latin typeface="Courier New" pitchFamily="49" charset="0"/>
+              </a:rPr>
+              <a:t>(define substitute-leftmost</a:t>
+            </a:r>
+          </a:p>
+          <a:p>
+            <a:pPr>
+              <a:lnSpc>
+                <a:spcPct val="80000"/>
+              </a:lnSpc>
+              <a:spcBef>
+                <a:spcPct val="5000"/>
+              </a:spcBef>
+              <a:buFontTx/>
+              <a:buNone/>
+            </a:pPr>
+            <a:r>
+              <a:rPr lang="en-US" sz="2000" b="1" dirty="0">
+                <a:latin typeface="Courier New" pitchFamily="49" charset="0"/>
+              </a:rPr>
+              <a:t>  (lambda (new old </a:t>
+            </a:r>
+            <a:r>
+              <a:rPr lang="en-US" sz="2000" b="1" dirty="0" err="1">
+                <a:latin typeface="Courier New" pitchFamily="49" charset="0"/>
+              </a:rPr>
+              <a:t>slist</a:t>
+            </a:r>
+            <a:r>
+              <a:rPr lang="en-US" sz="2000" b="1" dirty="0">
+                <a:latin typeface="Courier New" pitchFamily="49" charset="0"/>
+              </a:rPr>
+              <a:t>)</a:t>
+            </a:r>
+          </a:p>
+          <a:p>
+            <a:pPr>
+              <a:lnSpc>
+                <a:spcPct val="80000"/>
+              </a:lnSpc>
+              <a:spcBef>
+                <a:spcPct val="5000"/>
+              </a:spcBef>
+              <a:buFontTx/>
+              <a:buNone/>
+            </a:pPr>
+            <a:r>
+              <a:rPr lang="en-US" sz="2000" b="1" dirty="0">
+                <a:latin typeface="Courier New" pitchFamily="49" charset="0"/>
+              </a:rPr>
+              <a:t>    (</a:t>
+            </a:r>
+            <a:r>
+              <a:rPr lang="en-US" sz="2000" b="1" dirty="0" err="1">
+                <a:latin typeface="Courier New" pitchFamily="49" charset="0"/>
+              </a:rPr>
+              <a:t>subst</a:t>
+            </a:r>
+            <a:r>
+              <a:rPr lang="en-US" sz="2000" b="1" dirty="0">
+                <a:latin typeface="Courier New" pitchFamily="49" charset="0"/>
+              </a:rPr>
+              <a:t>-left-cps</a:t>
+            </a:r>
+          </a:p>
+          <a:p>
+            <a:pPr>
+              <a:lnSpc>
+                <a:spcPct val="80000"/>
+              </a:lnSpc>
+              <a:spcBef>
+                <a:spcPct val="5000"/>
+              </a:spcBef>
+              <a:buFontTx/>
+              <a:buNone/>
+            </a:pPr>
+            <a:r>
+              <a:rPr lang="en-US" sz="2000" b="1" dirty="0">
+                <a:latin typeface="Courier New" pitchFamily="49" charset="0"/>
+              </a:rPr>
+              <a:t>      new</a:t>
+            </a:r>
+          </a:p>
+          <a:p>
+            <a:pPr>
+              <a:lnSpc>
+                <a:spcPct val="80000"/>
+              </a:lnSpc>
+              <a:spcBef>
+                <a:spcPct val="5000"/>
+              </a:spcBef>
+              <a:buFontTx/>
+              <a:buNone/>
+            </a:pPr>
+            <a:r>
+              <a:rPr lang="en-US" sz="2000" b="1" dirty="0">
+                <a:latin typeface="Courier New" pitchFamily="49" charset="0"/>
+              </a:rPr>
+              <a:t>      old</a:t>
+            </a:r>
+          </a:p>
+          <a:p>
+            <a:pPr>
+              <a:lnSpc>
+                <a:spcPct val="80000"/>
+              </a:lnSpc>
+              <a:spcBef>
+                <a:spcPct val="5000"/>
+              </a:spcBef>
+              <a:buFontTx/>
+              <a:buNone/>
+            </a:pPr>
+            <a:r>
+              <a:rPr lang="en-US" sz="2000" b="1" dirty="0">
+                <a:latin typeface="Courier New" pitchFamily="49" charset="0"/>
+              </a:rPr>
+              <a:t>      </a:t>
+            </a:r>
+            <a:r>
+              <a:rPr lang="en-US" sz="2000" b="1" dirty="0" err="1">
+                <a:latin typeface="Courier New" pitchFamily="49" charset="0"/>
+              </a:rPr>
+              <a:t>slist</a:t>
+            </a:r>
+            <a:endParaRPr lang="en-US" sz="2000" b="1" dirty="0">
+              <a:latin typeface="Courier New" pitchFamily="49" charset="0"/>
+            </a:endParaRPr>
+          </a:p>
+          <a:p>
+            <a:pPr>
+              <a:lnSpc>
+                <a:spcPct val="80000"/>
+              </a:lnSpc>
+              <a:spcBef>
+                <a:spcPct val="5000"/>
+              </a:spcBef>
+              <a:buFontTx/>
+              <a:buNone/>
+            </a:pPr>
+            <a:r>
+              <a:rPr lang="en-US" sz="2000" b="1" dirty="0">
+                <a:latin typeface="Courier New" pitchFamily="49" charset="0"/>
+              </a:rPr>
+              <a:t>      (lambda (v) v)     </a:t>
+            </a:r>
+            <a:r>
+              <a:rPr lang="en-US" sz="2000" b="1" dirty="0">
+                <a:solidFill>
+                  <a:srgbClr val="CC0097"/>
+                </a:solidFill>
+                <a:latin typeface="Courier New" pitchFamily="49" charset="0"/>
+              </a:rPr>
+              <a:t>; succeed continuation</a:t>
+            </a:r>
+          </a:p>
+          <a:p>
+            <a:pPr>
+              <a:lnSpc>
+                <a:spcPct val="80000"/>
+              </a:lnSpc>
+              <a:spcBef>
+                <a:spcPct val="5000"/>
+              </a:spcBef>
+              <a:buFontTx/>
+              <a:buNone/>
+            </a:pPr>
+            <a:r>
+              <a:rPr lang="en-US" sz="2000" b="1" dirty="0">
+                <a:latin typeface="Courier New" pitchFamily="49" charset="0"/>
+              </a:rPr>
+              <a:t>      (lambda () </a:t>
+            </a:r>
+            <a:r>
+              <a:rPr lang="en-US" sz="2000" b="1" dirty="0" err="1">
+                <a:latin typeface="Courier New" pitchFamily="49" charset="0"/>
+              </a:rPr>
+              <a:t>slist</a:t>
+            </a:r>
+            <a:r>
+              <a:rPr lang="en-US" sz="2000" b="1" dirty="0">
+                <a:latin typeface="Courier New" pitchFamily="49" charset="0"/>
+              </a:rPr>
+              <a:t>)  </a:t>
+            </a:r>
+            <a:r>
+              <a:rPr lang="en-US" sz="2000" b="1" dirty="0">
+                <a:solidFill>
+                  <a:srgbClr val="CC0097"/>
+                </a:solidFill>
+                <a:latin typeface="Courier New" pitchFamily="49" charset="0"/>
+              </a:rPr>
+              <a:t>; fail continuation</a:t>
+            </a:r>
+          </a:p>
+          <a:p>
+            <a:pPr>
+              <a:lnSpc>
+                <a:spcPct val="80000"/>
+              </a:lnSpc>
+              <a:spcBef>
+                <a:spcPct val="5000"/>
+              </a:spcBef>
+              <a:buFontTx/>
+              <a:buNone/>
+            </a:pPr>
+            <a:r>
+              <a:rPr lang="en-US" sz="2000" b="1" dirty="0">
+                <a:solidFill>
+                  <a:srgbClr val="CC0097"/>
+                </a:solidFill>
+                <a:latin typeface="Courier New" pitchFamily="49" charset="0"/>
+              </a:rPr>
+              <a:t>     </a:t>
+            </a:r>
+            <a:r>
+              <a:rPr lang="en-US" sz="2000" b="1" dirty="0">
+                <a:latin typeface="Courier New" pitchFamily="49" charset="0"/>
+              </a:rPr>
+              <a:t>)))</a:t>
+            </a:r>
+          </a:p>
+          <a:p>
+            <a:pPr>
+              <a:lnSpc>
+                <a:spcPct val="80000"/>
+              </a:lnSpc>
+              <a:spcBef>
+                <a:spcPct val="5000"/>
+              </a:spcBef>
+              <a:buFontTx/>
+              <a:buNone/>
+            </a:pPr>
+            <a:endParaRPr lang="en-US" sz="2000" b="1" dirty="0">
+              <a:latin typeface="Courier New" pitchFamily="49" charset="0"/>
+            </a:endParaRPr>
+          </a:p>
+          <a:p>
+            <a:pPr>
+              <a:lnSpc>
+                <a:spcPct val="80000"/>
+              </a:lnSpc>
+              <a:spcBef>
+                <a:spcPct val="5000"/>
+              </a:spcBef>
+              <a:buFontTx/>
+              <a:buNone/>
+            </a:pPr>
+            <a:endParaRPr lang="en-US" sz="2000" b="1" dirty="0">
+              <a:latin typeface="Courier New" pitchFamily="49" charset="0"/>
+            </a:endParaRPr>
+          </a:p>
+          <a:p>
+            <a:pPr>
+              <a:lnSpc>
+                <a:spcPct val="80000"/>
+              </a:lnSpc>
+              <a:spcBef>
+                <a:spcPct val="5000"/>
+              </a:spcBef>
+              <a:buFontTx/>
+              <a:buNone/>
+            </a:pPr>
+            <a:endParaRPr lang="en-US" sz="2000" b="1" dirty="0">
+              <a:latin typeface="Courier New" pitchFamily="49" charset="0"/>
+            </a:endParaRPr>
+          </a:p>
+          <a:p>
+            <a:pPr>
+              <a:lnSpc>
+                <a:spcPct val="80000"/>
+              </a:lnSpc>
+              <a:spcBef>
+                <a:spcPct val="5000"/>
+              </a:spcBef>
+              <a:buFontTx/>
+              <a:buNone/>
+            </a:pPr>
+            <a:r>
+              <a:rPr lang="en-US" sz="2000" b="1" dirty="0">
+                <a:latin typeface="Courier New" pitchFamily="49" charset="0"/>
+              </a:rPr>
+              <a:t>(define </a:t>
+            </a:r>
+            <a:r>
+              <a:rPr lang="en-US" sz="2000" b="1" dirty="0" err="1">
+                <a:latin typeface="Courier New" pitchFamily="49" charset="0"/>
+              </a:rPr>
+              <a:t>subst</a:t>
+            </a:r>
+            <a:r>
+              <a:rPr lang="en-US" sz="2000" b="1" dirty="0">
+                <a:latin typeface="Courier New" pitchFamily="49" charset="0"/>
+              </a:rPr>
+              <a:t>-left-cps</a:t>
+            </a:r>
+          </a:p>
+          <a:p>
+            <a:pPr>
+              <a:lnSpc>
+                <a:spcPct val="80000"/>
+              </a:lnSpc>
+              <a:spcBef>
+                <a:spcPct val="5000"/>
+              </a:spcBef>
+              <a:buFontTx/>
+              <a:buNone/>
+            </a:pPr>
+            <a:r>
+              <a:rPr lang="en-US" sz="2000" b="1" dirty="0">
+                <a:latin typeface="Courier New" pitchFamily="49" charset="0"/>
+              </a:rPr>
+              <a:t>  (lambda (new old </a:t>
+            </a:r>
+            <a:r>
+              <a:rPr lang="en-US" sz="2000" b="1" dirty="0" err="1">
+                <a:latin typeface="Courier New" pitchFamily="49" charset="0"/>
+              </a:rPr>
+              <a:t>slist</a:t>
+            </a:r>
+            <a:r>
+              <a:rPr lang="en-US" sz="2000" b="1" dirty="0">
+                <a:latin typeface="Courier New" pitchFamily="49" charset="0"/>
+              </a:rPr>
+              <a:t> changed unchanged)</a:t>
+            </a:r>
+          </a:p>
+          <a:p>
+            <a:pPr>
+              <a:lnSpc>
+                <a:spcPct val="80000"/>
+              </a:lnSpc>
+              <a:spcBef>
+                <a:spcPct val="5000"/>
+              </a:spcBef>
+              <a:buFontTx/>
+              <a:buNone/>
+            </a:pPr>
+            <a:r>
+              <a:rPr lang="en-US" sz="2000" b="1" dirty="0">
+                <a:latin typeface="Courier New" pitchFamily="49" charset="0"/>
+              </a:rPr>
+              <a:t>    (let loop ([</a:t>
+            </a:r>
+            <a:r>
+              <a:rPr lang="en-US" sz="2000" b="1" dirty="0" err="1">
+                <a:latin typeface="Courier New" pitchFamily="49" charset="0"/>
+              </a:rPr>
+              <a:t>slist</a:t>
+            </a:r>
+            <a:r>
+              <a:rPr lang="en-US" sz="2000" b="1" dirty="0">
+                <a:latin typeface="Courier New" pitchFamily="49" charset="0"/>
+              </a:rPr>
+              <a:t> </a:t>
+            </a:r>
+            <a:r>
+              <a:rPr lang="en-US" sz="2000" b="1" dirty="0" err="1">
+                <a:latin typeface="Courier New" pitchFamily="49" charset="0"/>
+              </a:rPr>
+              <a:t>slist</a:t>
+            </a:r>
+            <a:r>
+              <a:rPr lang="en-US" sz="2000" b="1" dirty="0">
+                <a:latin typeface="Courier New" pitchFamily="49" charset="0"/>
+              </a:rPr>
+              <a:t>] </a:t>
+            </a:r>
+          </a:p>
+          <a:p>
+            <a:pPr>
+              <a:lnSpc>
+                <a:spcPct val="80000"/>
+              </a:lnSpc>
+              <a:spcBef>
+                <a:spcPct val="5000"/>
+              </a:spcBef>
+              <a:buFontTx/>
+              <a:buNone/>
+            </a:pPr>
+            <a:r>
+              <a:rPr lang="en-US" sz="2000" b="1" dirty="0">
+                <a:latin typeface="Courier New" pitchFamily="49" charset="0"/>
+              </a:rPr>
+              <a:t>               [changed changed] </a:t>
+            </a:r>
+          </a:p>
+          <a:p>
+            <a:pPr>
+              <a:lnSpc>
+                <a:spcPct val="80000"/>
+              </a:lnSpc>
+              <a:spcBef>
+                <a:spcPct val="5000"/>
+              </a:spcBef>
+              <a:buFontTx/>
+              <a:buNone/>
+            </a:pPr>
+            <a:r>
+              <a:rPr lang="en-US" sz="2000" b="1" dirty="0">
+                <a:latin typeface="Courier New" pitchFamily="49" charset="0"/>
+              </a:rPr>
+              <a:t>               [unchanged unchanged])</a:t>
+            </a:r>
+          </a:p>
+          <a:p>
+            <a:pPr>
+              <a:lnSpc>
+                <a:spcPct val="80000"/>
+              </a:lnSpc>
+              <a:spcBef>
+                <a:spcPct val="5000"/>
+              </a:spcBef>
+              <a:buFontTx/>
+              <a:buNone/>
+            </a:pPr>
+            <a:r>
+              <a:rPr lang="en-US" sz="2000" b="1" dirty="0">
+                <a:latin typeface="Courier New" pitchFamily="49" charset="0"/>
+              </a:rPr>
+              <a:t>      (</a:t>
+            </a:r>
+            <a:r>
+              <a:rPr lang="en-US" sz="2000" b="1" dirty="0" err="1">
+                <a:latin typeface="Courier New" pitchFamily="49" charset="0"/>
+              </a:rPr>
+              <a:t>cond</a:t>
+            </a:r>
+            <a:endParaRPr lang="en-US" sz="2000" b="1" dirty="0">
+              <a:latin typeface="Courier New" pitchFamily="49" charset="0"/>
+            </a:endParaRPr>
+          </a:p>
+          <a:p>
+            <a:pPr>
+              <a:lnSpc>
+                <a:spcPct val="80000"/>
+              </a:lnSpc>
+              <a:spcBef>
+                <a:spcPct val="5000"/>
+              </a:spcBef>
+              <a:buFontTx/>
+              <a:buNone/>
+            </a:pPr>
+            <a:r>
+              <a:rPr lang="en-US" sz="2000" b="1" dirty="0">
+                <a:latin typeface="Courier New" pitchFamily="49" charset="0"/>
+              </a:rPr>
+              <a:t>       [(null? slist) (apply-k unchanged)]  </a:t>
+            </a:r>
+          </a:p>
+          <a:p>
+            <a:pPr>
+              <a:lnSpc>
+                <a:spcPct val="80000"/>
+              </a:lnSpc>
+              <a:spcBef>
+                <a:spcPct val="5000"/>
+              </a:spcBef>
+              <a:buFontTx/>
+              <a:buNone/>
+            </a:pPr>
+            <a:r>
+              <a:rPr lang="en-US" sz="2000" b="1" dirty="0">
+                <a:solidFill>
+                  <a:srgbClr val="CC0097"/>
+                </a:solidFill>
+                <a:latin typeface="Courier New" pitchFamily="49" charset="0"/>
+              </a:rPr>
+              <a:t>       ; fill in the rest (next slide)</a:t>
+            </a:r>
+          </a:p>
+        </p:txBody>
+      </p:sp>
+      <p:sp>
+        <p:nvSpPr>
+          <p:cNvPr id="125955" name="Text Box 3"/>
+          <p:cNvSpPr txBox="1">
+            <a:spLocks noChangeArrowheads="1"/>
+          </p:cNvSpPr>
+          <p:nvPr/>
+        </p:nvSpPr>
+        <p:spPr bwMode="auto">
+          <a:xfrm>
+            <a:off x="6781800" y="152400"/>
+            <a:ext cx="3505200" cy="1569660"/>
+          </a:xfrm>
+          <a:prstGeom prst="rect">
+            <a:avLst/>
+          </a:prstGeom>
+          <a:solidFill>
+            <a:srgbClr val="CC0097"/>
+          </a:solidFill>
+          <a:ln w="9525">
+            <a:noFill/>
+            <a:miter lim="800000"/>
+            <a:headEnd/>
+            <a:tailEnd/>
+          </a:ln>
+          <a:effectLst/>
+        </p:spPr>
+        <p:txBody>
+          <a:bodyPr>
+            <a:spAutoFit/>
+          </a:bodyPr>
+          <a:lstStyle/>
+          <a:p>
+            <a:pPr>
+              <a:spcBef>
+                <a:spcPct val="50000"/>
+              </a:spcBef>
+            </a:pPr>
+            <a:r>
+              <a:rPr lang="en-US" sz="2400" b="1" dirty="0">
+                <a:solidFill>
+                  <a:schemeClr val="bg1"/>
+                </a:solidFill>
+              </a:rPr>
+              <a:t>A solution with succeed and fail continuations may be better…</a:t>
+            </a:r>
+          </a:p>
+        </p:txBody>
+      </p:sp>
+    </p:spTree>
+    <p:extLst>
+      <p:ext uri="{BB962C8B-B14F-4D97-AF65-F5344CB8AC3E}">
+        <p14:creationId xmlns:p14="http://schemas.microsoft.com/office/powerpoint/2010/main" val="27739009"/>
+      </p:ext>
+    </p:extLst>
+  </p:cSld>
+  <p:clrMapOvr>
+    <a:masterClrMapping/>
+  </p:clrMapOvr>
+</p:sld>
+</file>
+
+<file path=ppt/slides/slide15.xml><?xml version="1.0" encoding="utf-8"?>
+<p:sld xmlns:a="http://schemas.openxmlformats.org/drawingml/2006/main" xmlns:r="http://schemas.openxmlformats.org/officeDocument/2006/relationships" xmlns:p="http://schemas.openxmlformats.org/presentationml/2006/main" show="0">
+  <p:cSld>
+    <p:spTree>
+      <p:nvGrpSpPr>
+        <p:cNvPr id="1" name=""/>
+        <p:cNvGrpSpPr/>
+        <p:nvPr/>
+      </p:nvGrpSpPr>
+      <p:grpSpPr>
+        <a:xfrm>
+          <a:off x="0" y="0"/>
+          <a:ext cx="0" cy="0"/>
+          <a:chOff x="0" y="0"/>
+          <a:chExt cx="0" cy="0"/>
+        </a:xfrm>
+      </p:grpSpPr>
+      <p:sp>
+        <p:nvSpPr>
           <p:cNvPr id="134146" name="Text Box 2"/>
           <p:cNvSpPr txBox="1">
             <a:spLocks noChangeArrowheads="1"/>
@@ -4934,7 +6034,7 @@
 </p:sld>
 </file>
 
-<file path=ppt/slides/slide12.xml><?xml version="1.0" encoding="utf-8"?>
+<file path=ppt/slides/slide16.xml><?xml version="1.0" encoding="utf-8"?>
 <p:sld xmlns:a="http://schemas.openxmlformats.org/drawingml/2006/main" xmlns:r="http://schemas.openxmlformats.org/officeDocument/2006/relationships" xmlns:p="http://schemas.openxmlformats.org/presentationml/2006/main">
   <p:cSld>
     <p:spTree>
@@ -5206,7 +6306,13 @@
       </p:grpSpPr>
       <p:sp>
         <p:nvSpPr>
-          <p:cNvPr id="2" name="Title 1"/>
+          <p:cNvPr id="2" name="Title 1">
+            <a:extLst>
+              <a:ext uri="{FF2B5EF4-FFF2-40B4-BE49-F238E27FC236}">
+                <a16:creationId xmlns:a16="http://schemas.microsoft.com/office/drawing/2014/main" id="{2CDDE9F0-3B19-423A-843E-4432C7DEC1F3}"/>
+              </a:ext>
+            </a:extLst>
+          </p:cNvPr>
           <p:cNvSpPr>
             <a:spLocks noGrp="1"/>
           </p:cNvSpPr>
@@ -5214,26 +6320,27 @@
             <p:ph type="title"/>
           </p:nvPr>
         </p:nvSpPr>
-        <p:spPr>
-          <a:xfrm>
-            <a:off x="1676400" y="-228600"/>
-            <a:ext cx="8991600" cy="1143000"/>
-          </a:xfrm>
-        </p:spPr>
+        <p:spPr/>
         <p:txBody>
           <a:bodyPr/>
           <a:lstStyle/>
           <a:p>
             <a:r>
               <a:rPr lang="en-US" dirty="0"/>
-              <a:t>Extra credit – up to 120 HW points</a:t>
+              <a:t>Beware of Assignment 15</a:t>
             </a:r>
           </a:p>
         </p:txBody>
       </p:sp>
       <p:sp>
         <p:nvSpPr>
-          <p:cNvPr id="3" name="Content Placeholder 2"/>
+          <p:cNvPr id="3" name="Content Placeholder 2">
+            <a:extLst>
+              <a:ext uri="{FF2B5EF4-FFF2-40B4-BE49-F238E27FC236}">
+                <a16:creationId xmlns:a16="http://schemas.microsoft.com/office/drawing/2014/main" id="{24B4844C-A1DE-422B-BFED-9F6F6204B6BF}"/>
+              </a:ext>
+            </a:extLst>
+          </p:cNvPr>
           <p:cNvSpPr>
             <a:spLocks noGrp="1"/>
           </p:cNvSpPr>
@@ -5241,108 +6348,14 @@
             <p:ph idx="1"/>
           </p:nvPr>
         </p:nvSpPr>
-        <p:spPr>
-          <a:xfrm>
-            <a:off x="304800" y="685801"/>
-            <a:ext cx="11430000" cy="4754563"/>
-          </a:xfrm>
-        </p:spPr>
+        <p:spPr/>
         <p:txBody>
           <a:bodyPr/>
           <a:lstStyle/>
           <a:p>
-            <a:pPr>
-              <a:spcBef>
-                <a:spcPts val="0"/>
-              </a:spcBef>
-            </a:pPr>
-            <a:r>
-              <a:rPr lang="en-US" sz="2800" dirty="0"/>
-              <a:t>Modify your interpreter so that it can interpret itself.</a:t>
-            </a:r>
-          </a:p>
-          <a:p>
-            <a:pPr>
-              <a:spcBef>
-                <a:spcPts val="0"/>
-              </a:spcBef>
-            </a:pPr>
-            <a:r>
-              <a:rPr lang="en-US" sz="2800" dirty="0"/>
-              <a:t>In </a:t>
-            </a:r>
-            <a:r>
-              <a:rPr lang="en-US" sz="2800" b="1" dirty="0"/>
-              <a:t>rep</a:t>
-            </a:r>
-            <a:r>
-              <a:rPr lang="en-US" sz="2800" dirty="0"/>
-              <a:t> mode, you can load the code and run it within your interpreter.</a:t>
-            </a:r>
-          </a:p>
-          <a:p>
-            <a:pPr>
-              <a:spcBef>
-                <a:spcPts val="0"/>
-              </a:spcBef>
-            </a:pPr>
-            <a:r>
-              <a:rPr lang="en-US" sz="2800" dirty="0"/>
-              <a:t>You may need to bypass </a:t>
-            </a:r>
-            <a:r>
-              <a:rPr lang="en-US" sz="2800" b="1" dirty="0"/>
-              <a:t>define-datatype</a:t>
-            </a:r>
-            <a:r>
-              <a:rPr lang="en-US" sz="2800" dirty="0"/>
-              <a:t>, or implement a similar mechanism.</a:t>
-            </a:r>
-          </a:p>
-          <a:p>
-            <a:pPr>
-              <a:spcBef>
-                <a:spcPts val="0"/>
-              </a:spcBef>
-            </a:pPr>
-            <a:r>
-              <a:rPr lang="en-US" sz="2800" dirty="0"/>
-              <a:t>Can your “second level” loaded interpreter load and run another interpreter?  How many levels can you do?</a:t>
-            </a:r>
-          </a:p>
-          <a:p>
-            <a:pPr>
-              <a:spcBef>
-                <a:spcPts val="0"/>
-              </a:spcBef>
-            </a:pPr>
-            <a:r>
-              <a:rPr lang="en-US" sz="2800" dirty="0"/>
-              <a:t>Demonstrate it to me no later than Thursday of exam week.</a:t>
-            </a:r>
-          </a:p>
-          <a:p>
-            <a:pPr>
-              <a:spcBef>
-                <a:spcPts val="0"/>
-              </a:spcBef>
-            </a:pPr>
-            <a:r>
-              <a:rPr lang="en-US" sz="2800" dirty="0"/>
-              <a:t>You can do  this with one or two other students.</a:t>
-            </a:r>
-          </a:p>
-          <a:p>
-            <a:pPr lvl="1"/>
-            <a:r>
-              <a:rPr lang="en-US" sz="2400" dirty="0"/>
-              <a:t>Can be people who are NOT on your interpreter team.</a:t>
-            </a:r>
-          </a:p>
-          <a:p>
-            <a:r>
-              <a:rPr lang="en-US" sz="2800" dirty="0"/>
-              <a:t>If you are thinking of doing this, let's have a conversation about it soon.</a:t>
+            <a:r>
+              <a:rPr lang="en-US" dirty="0"/>
+              <a:t>Hardest of the individual assignments</a:t>
             </a:r>
           </a:p>
         </p:txBody>
@@ -5350,7 +6363,7 @@
     </p:spTree>
     <p:extLst>
       <p:ext uri="{BB962C8B-B14F-4D97-AF65-F5344CB8AC3E}">
-        <p14:creationId xmlns:p14="http://schemas.microsoft.com/office/powerpoint/2010/main" val="3003259697"/>
+        <p14:creationId xmlns:p14="http://schemas.microsoft.com/office/powerpoint/2010/main" val="1079772021"/>
       </p:ext>
     </p:extLst>
   </p:cSld>
@@ -5379,7 +6392,7 @@
       </p:grpSpPr>
       <p:sp>
         <p:nvSpPr>
-          <p:cNvPr id="4" name="Title 3"/>
+          <p:cNvPr id="2" name="Title 1"/>
           <p:cNvSpPr>
             <a:spLocks noGrp="1"/>
           </p:cNvSpPr>
@@ -5387,36 +6400,133 @@
             <p:ph type="title"/>
           </p:nvPr>
         </p:nvSpPr>
-        <p:spPr/>
+        <p:spPr>
+          <a:xfrm>
+            <a:off x="1676400" y="-228600"/>
+            <a:ext cx="8991600" cy="1143000"/>
+          </a:xfrm>
+        </p:spPr>
         <p:txBody>
           <a:bodyPr/>
           <a:lstStyle/>
           <a:p>
             <a:r>
               <a:rPr lang="en-US" dirty="0"/>
-              <a:t>continuations and CPS</a:t>
+              <a:t>Extra credit – up to 120 HW points</a:t>
             </a:r>
           </a:p>
         </p:txBody>
       </p:sp>
       <p:sp>
         <p:nvSpPr>
-          <p:cNvPr id="5" name="Text Placeholder 4"/>
+          <p:cNvPr id="3" name="Content Placeholder 2"/>
           <p:cNvSpPr>
             <a:spLocks noGrp="1"/>
           </p:cNvSpPr>
           <p:nvPr>
-            <p:ph type="body" idx="1"/>
+            <p:ph idx="1"/>
           </p:nvPr>
         </p:nvSpPr>
-        <p:spPr/>
+        <p:spPr>
+          <a:xfrm>
+            <a:off x="304800" y="685801"/>
+            <a:ext cx="11430000" cy="4754563"/>
+          </a:xfrm>
+        </p:spPr>
         <p:txBody>
           <a:bodyPr/>
           <a:lstStyle/>
           <a:p>
+            <a:pPr>
+              <a:spcBef>
+                <a:spcPts val="0"/>
+              </a:spcBef>
+            </a:pPr>
             <a:r>
               <a:rPr lang="en-US" sz="2800" dirty="0"/>
-              <a:t>Continue with …</a:t>
+              <a:t>Modify your interpreter so that it can interpret itself.</a:t>
+            </a:r>
+          </a:p>
+          <a:p>
+            <a:pPr>
+              <a:spcBef>
+                <a:spcPts val="0"/>
+              </a:spcBef>
+            </a:pPr>
+            <a:r>
+              <a:rPr lang="en-US" sz="2800" dirty="0"/>
+              <a:t>In </a:t>
+            </a:r>
+            <a:r>
+              <a:rPr lang="en-US" sz="2800" b="1" dirty="0"/>
+              <a:t>rep</a:t>
+            </a:r>
+            <a:r>
+              <a:rPr lang="en-US" sz="2800" dirty="0"/>
+              <a:t> mode, you can load the code and run it within your interpreter.</a:t>
+            </a:r>
+          </a:p>
+          <a:p>
+            <a:pPr>
+              <a:spcBef>
+                <a:spcPts val="0"/>
+              </a:spcBef>
+            </a:pPr>
+            <a:r>
+              <a:rPr lang="en-US" sz="2800" dirty="0"/>
+              <a:t>You may need to bypass </a:t>
+            </a:r>
+            <a:r>
+              <a:rPr lang="en-US" sz="2800" b="1" dirty="0"/>
+              <a:t>define-datatype</a:t>
+            </a:r>
+            <a:r>
+              <a:rPr lang="en-US" sz="2800" dirty="0"/>
+              <a:t>, or implement a similar mechanism.</a:t>
+            </a:r>
+          </a:p>
+          <a:p>
+            <a:pPr>
+              <a:spcBef>
+                <a:spcPts val="0"/>
+              </a:spcBef>
+            </a:pPr>
+            <a:r>
+              <a:rPr lang="en-US" sz="2800" dirty="0"/>
+              <a:t>Can your “second level” loaded interpreter load and run another interpreter?  How many levels can you do?</a:t>
+            </a:r>
+          </a:p>
+          <a:p>
+            <a:pPr>
+              <a:spcBef>
+                <a:spcPts val="0"/>
+              </a:spcBef>
+            </a:pPr>
+            <a:r>
+              <a:rPr lang="en-US" sz="2800" dirty="0"/>
+              <a:t>Demonstrate it to me no later than Thursday of exam week.</a:t>
+            </a:r>
+          </a:p>
+          <a:p>
+            <a:pPr>
+              <a:spcBef>
+                <a:spcPts val="0"/>
+              </a:spcBef>
+            </a:pPr>
+            <a:r>
+              <a:rPr lang="en-US" sz="2800" dirty="0"/>
+              <a:t>You can do this in concert with your team</a:t>
+            </a:r>
+          </a:p>
+          <a:p>
+            <a:pPr>
+              <a:spcBef>
+                <a:spcPts val="0"/>
+              </a:spcBef>
+            </a:pPr>
+            <a:r>
+              <a:rPr lang="en-US" sz="2800" dirty="0"/>
+              <a:t>If you are thinking of doing this, let's have a conversation about it soon.</a:t>
             </a:r>
           </a:p>
         </p:txBody>
@@ -5424,7 +6534,7 @@
     </p:spTree>
     <p:extLst>
       <p:ext uri="{BB962C8B-B14F-4D97-AF65-F5344CB8AC3E}">
-        <p14:creationId xmlns:p14="http://schemas.microsoft.com/office/powerpoint/2010/main" val="2257021834"/>
+        <p14:creationId xmlns:p14="http://schemas.microsoft.com/office/powerpoint/2010/main" val="3003259697"/>
       </p:ext>
     </p:extLst>
   </p:cSld>
@@ -5453,13 +6563,7 @@
       </p:grpSpPr>
       <p:sp>
         <p:nvSpPr>
-          <p:cNvPr id="4" name="Title 3">
-            <a:extLst>
-              <a:ext uri="{FF2B5EF4-FFF2-40B4-BE49-F238E27FC236}">
-                <a16:creationId xmlns:a16="http://schemas.microsoft.com/office/drawing/2014/main" id="{BAC0886F-6674-40CF-BBB4-9878045BA915}"/>
-              </a:ext>
-            </a:extLst>
-          </p:cNvPr>
+          <p:cNvPr id="4" name="Title 3"/>
           <p:cNvSpPr>
             <a:spLocks noGrp="1"/>
           </p:cNvSpPr>
@@ -5474,103 +6578,29 @@
           <a:p>
             <a:r>
               <a:rPr lang="en-US" dirty="0"/>
-              <a:t>Recall the basic CPS principles</a:t>
-            </a:r>
-            <a:br>
-              <a:rPr lang="en-US" dirty="0"/>
-            </a:br>
-            <a:r>
-              <a:rPr lang="en-US" sz="2800" dirty="0"/>
-              <a:t>(I hope you have already seen these in practice as you wrote one or two A15 problem 1 procedures)</a:t>
+              <a:t>continuations and CPS</a:t>
             </a:r>
           </a:p>
         </p:txBody>
       </p:sp>
       <p:sp>
         <p:nvSpPr>
-          <p:cNvPr id="5" name="Content Placeholder 4">
-            <a:extLst>
-              <a:ext uri="{FF2B5EF4-FFF2-40B4-BE49-F238E27FC236}">
-                <a16:creationId xmlns:a16="http://schemas.microsoft.com/office/drawing/2014/main" id="{3D9B876F-71D5-4E77-9B7B-79E88EC403A9}"/>
-              </a:ext>
-            </a:extLst>
-          </p:cNvPr>
+          <p:cNvPr id="5" name="Text Placeholder 4"/>
           <p:cNvSpPr>
             <a:spLocks noGrp="1"/>
           </p:cNvSpPr>
           <p:nvPr>
-            <p:ph idx="1"/>
+            <p:ph type="body" idx="1"/>
           </p:nvPr>
         </p:nvSpPr>
-        <p:spPr>
-          <a:xfrm>
-            <a:off x="152400" y="2027237"/>
-            <a:ext cx="12039600" cy="4525963"/>
-          </a:xfrm>
-        </p:spPr>
+        <p:spPr/>
         <p:txBody>
           <a:bodyPr/>
           <a:lstStyle/>
           <a:p>
-            <a:pPr>
-              <a:spcBef>
-                <a:spcPts val="1372"/>
-              </a:spcBef>
-            </a:pPr>
             <a:r>
               <a:rPr lang="en-US" sz="2800" dirty="0"/>
-              <a:t>A substantial procedure is recursive and not a built-in Scheme procedure.</a:t>
-            </a:r>
-          </a:p>
-          <a:p>
-            <a:pPr>
-              <a:spcBef>
-                <a:spcPts val="1372"/>
-              </a:spcBef>
-            </a:pPr>
-            <a:r>
-              <a:rPr lang="en-US" sz="2800" dirty="0"/>
-              <a:t>Every application of substantial procedure must be in tail position. We defined tail position in the Day 25 class</a:t>
-            </a:r>
-          </a:p>
-          <a:p>
-            <a:pPr>
-              <a:spcBef>
-                <a:spcPts val="1372"/>
-              </a:spcBef>
-            </a:pPr>
-            <a:r>
-              <a:rPr lang="en-US" sz="2800" dirty="0"/>
-              <a:t>When we apply a substantial procedure, we must provide a continuation as (the last) argument.</a:t>
-            </a:r>
-          </a:p>
-          <a:p>
-            <a:pPr>
-              <a:spcBef>
-                <a:spcPts val="1372"/>
-              </a:spcBef>
-            </a:pPr>
-            <a:r>
-              <a:rPr lang="en-US" sz="2800" dirty="0"/>
-              <a:t>When we get the answer without calling any substantial procedures, we apply the current continuation to that answer.</a:t>
-            </a:r>
-          </a:p>
-          <a:p>
-            <a:pPr>
-              <a:spcBef>
-                <a:spcPts val="1372"/>
-              </a:spcBef>
-            </a:pPr>
-            <a:r>
-              <a:rPr lang="en-US" sz="2800" dirty="0">
-                <a:latin typeface="Courier New" panose="02070309020205020404" pitchFamily="49" charset="0"/>
-                <a:cs typeface="Courier New" panose="02070309020205020404" pitchFamily="49" charset="0"/>
-              </a:rPr>
-              <a:t>apply-k</a:t>
-            </a:r>
-            <a:r>
-              <a:rPr lang="en-US" sz="2800" dirty="0"/>
-              <a:t> is a substantial procedure. Continuation constructors are not.</a:t>
+              <a:t>Continue with …</a:t>
             </a:r>
           </a:p>
         </p:txBody>
@@ -5578,7 +6608,7 @@
     </p:spTree>
     <p:extLst>
       <p:ext uri="{BB962C8B-B14F-4D97-AF65-F5344CB8AC3E}">
-        <p14:creationId xmlns:p14="http://schemas.microsoft.com/office/powerpoint/2010/main" val="884143641"/>
+        <p14:creationId xmlns:p14="http://schemas.microsoft.com/office/powerpoint/2010/main" val="2257021834"/>
       </p:ext>
     </p:extLst>
   </p:cSld>
@@ -5607,10 +6637,10 @@
       </p:grpSpPr>
       <p:sp>
         <p:nvSpPr>
-          <p:cNvPr id="2" name="Title 1">
+          <p:cNvPr id="4" name="Title 3">
             <a:extLst>
               <a:ext uri="{FF2B5EF4-FFF2-40B4-BE49-F238E27FC236}">
-                <a16:creationId xmlns:a16="http://schemas.microsoft.com/office/drawing/2014/main" id="{8021DA58-3797-4E21-9BA5-C4D399284C0C}"/>
+                <a16:creationId xmlns:a16="http://schemas.microsoft.com/office/drawing/2014/main" id="{BAC0886F-6674-40CF-BBB4-9878045BA915}"/>
               </a:ext>
             </a:extLst>
           </p:cNvPr>
@@ -5628,17 +6658,24 @@
           <a:p>
             <a:r>
               <a:rPr lang="en-US" dirty="0"/>
-              <a:t>Continuation representations</a:t>
+              <a:t>Recall the basic CPS principles</a:t>
+            </a:r>
+            <a:br>
+              <a:rPr lang="en-US" dirty="0"/>
+            </a:br>
+            <a:r>
+              <a:rPr lang="en-US" sz="2800" dirty="0"/>
+              <a:t>(I hope you have already seen these in practice as you wrote one or two A15 problem 1 procedures)</a:t>
             </a:r>
           </a:p>
         </p:txBody>
       </p:sp>
       <p:sp>
         <p:nvSpPr>
-          <p:cNvPr id="3" name="Content Placeholder 2">
+          <p:cNvPr id="5" name="Content Placeholder 4">
             <a:extLst>
               <a:ext uri="{FF2B5EF4-FFF2-40B4-BE49-F238E27FC236}">
-                <a16:creationId xmlns:a16="http://schemas.microsoft.com/office/drawing/2014/main" id="{748BC95A-CC8C-41F0-B23B-21CAD254F26D}"/>
+                <a16:creationId xmlns:a16="http://schemas.microsoft.com/office/drawing/2014/main" id="{3D9B876F-71D5-4E77-9B7B-79E88EC403A9}"/>
               </a:ext>
             </a:extLst>
           </p:cNvPr>
@@ -5649,103 +6686,75 @@
             <p:ph idx="1"/>
           </p:nvPr>
         </p:nvSpPr>
-        <p:spPr/>
+        <p:spPr>
+          <a:xfrm>
+            <a:off x="152400" y="2027237"/>
+            <a:ext cx="12039600" cy="4525963"/>
+          </a:xfrm>
+        </p:spPr>
         <p:txBody>
           <a:bodyPr/>
           <a:lstStyle/>
           <a:p>
-            <a:pPr marL="514350" indent="-514350">
-              <a:buFont typeface="+mj-lt"/>
-              <a:buAutoNum type="arabicPeriod"/>
-            </a:pPr>
-            <a:r>
-              <a:rPr lang="en-US" b="1" dirty="0"/>
-              <a:t>(on this week’s video and A15 problem 1) </a:t>
-            </a:r>
-            <a:r>
-              <a:rPr lang="en-US" dirty="0"/>
-              <a:t>A continuation is a Scheme procedure.  </a:t>
-            </a:r>
-            <a:r>
-              <a:rPr lang="en-US" dirty="0">
+            <a:pPr>
+              <a:spcBef>
+                <a:spcPts val="1372"/>
+              </a:spcBef>
+            </a:pPr>
+            <a:r>
+              <a:rPr lang="en-US" sz="2800" dirty="0"/>
+              <a:t>A substantial procedure is recursive and not a built-in Scheme procedure.</a:t>
+            </a:r>
+          </a:p>
+          <a:p>
+            <a:pPr>
+              <a:spcBef>
+                <a:spcPts val="1372"/>
+              </a:spcBef>
+            </a:pPr>
+            <a:r>
+              <a:rPr lang="en-US" sz="2800" dirty="0"/>
+              <a:t>Every application of substantial procedure must be in tail position. We defined tail position in the Day 25 class</a:t>
+            </a:r>
+          </a:p>
+          <a:p>
+            <a:pPr>
+              <a:spcBef>
+                <a:spcPts val="1372"/>
+              </a:spcBef>
+            </a:pPr>
+            <a:r>
+              <a:rPr lang="en-US" sz="2800" dirty="0"/>
+              <a:t>When we apply a substantial procedure, we must provide a continuation as (the last) argument.</a:t>
+            </a:r>
+          </a:p>
+          <a:p>
+            <a:pPr>
+              <a:spcBef>
+                <a:spcPts val="1372"/>
+              </a:spcBef>
+            </a:pPr>
+            <a:r>
+              <a:rPr lang="en-US" sz="2800" dirty="0"/>
+              <a:t>When we get the answer without calling any substantial procedures, we apply the current continuation to that answer.</a:t>
+            </a:r>
+          </a:p>
+          <a:p>
+            <a:pPr>
+              <a:spcBef>
+                <a:spcPts val="1372"/>
+              </a:spcBef>
+            </a:pPr>
+            <a:r>
+              <a:rPr lang="en-US" sz="2800" dirty="0">
                 <a:latin typeface="Courier New" panose="02070309020205020404" pitchFamily="49" charset="0"/>
                 <a:cs typeface="Courier New" panose="02070309020205020404" pitchFamily="49" charset="0"/>
               </a:rPr>
               <a:t>apply-k</a:t>
             </a:r>
             <a:r>
-              <a:rPr lang="en-US" dirty="0"/>
-              <a:t> is a simple “pass-through”.    </a:t>
-            </a:r>
-            <a:br>
-              <a:rPr lang="en-US" dirty="0"/>
-            </a:br>
-            <a:r>
-              <a:rPr lang="en-US" sz="2400" dirty="0">
-                <a:latin typeface="Courier New" panose="02070309020205020404" pitchFamily="49" charset="0"/>
-                <a:cs typeface="Courier New" panose="02070309020205020404" pitchFamily="49" charset="0"/>
-              </a:rPr>
-              <a:t>(define apply-k (lambda (k v) (k v)))</a:t>
-            </a:r>
-            <a:br>
-              <a:rPr lang="en-US" sz="2400" dirty="0">
-                <a:latin typeface="Courier New" panose="02070309020205020404" pitchFamily="49" charset="0"/>
-                <a:cs typeface="Courier New" panose="02070309020205020404" pitchFamily="49" charset="0"/>
-              </a:rPr>
-            </a:br>
-            <a:endParaRPr lang="en-US" dirty="0">
-              <a:latin typeface="Courier New" panose="02070309020205020404" pitchFamily="49" charset="0"/>
-              <a:cs typeface="Courier New" panose="02070309020205020404" pitchFamily="49" charset="0"/>
-            </a:endParaRPr>
-          </a:p>
-          <a:p>
-            <a:pPr marL="514350" indent="-514350">
-              <a:buFont typeface="+mj-lt"/>
-              <a:buAutoNum type="arabicPeriod"/>
-            </a:pPr>
-            <a:r>
-              <a:rPr lang="en-US" b="1" dirty="0"/>
-              <a:t>(today, A15 problem 2) </a:t>
-            </a:r>
-            <a:r>
-              <a:rPr lang="en-US" dirty="0"/>
-              <a:t>A continuation is a data structure, defined using </a:t>
-            </a:r>
-            <a:r>
-              <a:rPr lang="en-US" dirty="0">
-                <a:latin typeface="Courier New" panose="02070309020205020404" pitchFamily="49" charset="0"/>
-                <a:cs typeface="Courier New" panose="02070309020205020404" pitchFamily="49" charset="0"/>
-              </a:rPr>
-              <a:t>define-datatype</a:t>
-            </a:r>
-            <a:r>
-              <a:rPr lang="en-US" dirty="0"/>
-              <a:t>. </a:t>
-            </a:r>
-            <a:br>
-              <a:rPr lang="en-US" dirty="0"/>
-            </a:br>
-            <a:r>
-              <a:rPr lang="en-US" dirty="0">
-                <a:latin typeface="Courier New" panose="02070309020205020404" pitchFamily="49" charset="0"/>
-                <a:cs typeface="Courier New" panose="02070309020205020404" pitchFamily="49" charset="0"/>
-              </a:rPr>
-              <a:t>make-k</a:t>
-            </a:r>
-            <a:r>
-              <a:rPr lang="en-US" dirty="0"/>
-              <a:t> is replaced by having a constructor for each continuation variant.  </a:t>
-            </a:r>
-            <a:r>
-              <a:rPr lang="en-US" dirty="0">
-                <a:latin typeface="Courier New" panose="02070309020205020404" pitchFamily="49" charset="0"/>
-                <a:cs typeface="Courier New" panose="02070309020205020404" pitchFamily="49" charset="0"/>
-              </a:rPr>
-              <a:t>apply-k</a:t>
-            </a:r>
-            <a:r>
-              <a:rPr lang="en-US" dirty="0"/>
-              <a:t> does most of the continuation work.</a:t>
+              <a:rPr lang="en-US" sz="2800" dirty="0"/>
+              <a:t> is a substantial procedure. Continuation constructors are not.</a:t>
             </a:r>
           </a:p>
         </p:txBody>
@@ -5753,7 +6762,7 @@
     </p:spTree>
     <p:extLst>
       <p:ext uri="{BB962C8B-B14F-4D97-AF65-F5344CB8AC3E}">
-        <p14:creationId xmlns:p14="http://schemas.microsoft.com/office/powerpoint/2010/main" val="1801456059"/>
+        <p14:creationId xmlns:p14="http://schemas.microsoft.com/office/powerpoint/2010/main" val="884143641"/>
       </p:ext>
     </p:extLst>
   </p:cSld>
@@ -5764,7 +6773,7 @@
 </file>
 
 <file path=ppt/slides/slide7.xml><?xml version="1.0" encoding="utf-8"?>
-<p:sld xmlns:a="http://schemas.openxmlformats.org/drawingml/2006/main" xmlns:r="http://schemas.openxmlformats.org/officeDocument/2006/relationships" xmlns:p="http://schemas.openxmlformats.org/presentationml/2006/main" show="0">
+<p:sld xmlns:a="http://schemas.openxmlformats.org/drawingml/2006/main" xmlns:r="http://schemas.openxmlformats.org/officeDocument/2006/relationships" xmlns:p="http://schemas.openxmlformats.org/presentationml/2006/main">
   <p:cSld>
     <p:spTree>
       <p:nvGrpSpPr>
@@ -5782,7 +6791,13 @@
       </p:grpSpPr>
       <p:sp>
         <p:nvSpPr>
-          <p:cNvPr id="2" name="Title 1"/>
+          <p:cNvPr id="2" name="Title 1">
+            <a:extLst>
+              <a:ext uri="{FF2B5EF4-FFF2-40B4-BE49-F238E27FC236}">
+                <a16:creationId xmlns:a16="http://schemas.microsoft.com/office/drawing/2014/main" id="{8021DA58-3797-4E21-9BA5-C4D399284C0C}"/>
+              </a:ext>
+            </a:extLst>
+          </p:cNvPr>
           <p:cNvSpPr>
             <a:spLocks noGrp="1"/>
           </p:cNvSpPr>
@@ -5797,14 +6812,20 @@
           <a:p>
             <a:r>
               <a:rPr lang="en-US" dirty="0"/>
-              <a:t>Succeed and fail continuations</a:t>
+              <a:t>Continuation representations</a:t>
             </a:r>
           </a:p>
         </p:txBody>
       </p:sp>
       <p:sp>
         <p:nvSpPr>
-          <p:cNvPr id="3" name="Content Placeholder 2"/>
+          <p:cNvPr id="3" name="Content Placeholder 2">
+            <a:extLst>
+              <a:ext uri="{FF2B5EF4-FFF2-40B4-BE49-F238E27FC236}">
+                <a16:creationId xmlns:a16="http://schemas.microsoft.com/office/drawing/2014/main" id="{748BC95A-CC8C-41F0-B23B-21CAD254F26D}"/>
+              </a:ext>
+            </a:extLst>
+          </p:cNvPr>
           <p:cNvSpPr>
             <a:spLocks noGrp="1"/>
           </p:cNvSpPr>
@@ -5812,268 +6833,111 @@
             <p:ph idx="1"/>
           </p:nvPr>
         </p:nvSpPr>
-        <p:spPr>
-          <a:xfrm>
-            <a:off x="2286000" y="1524001"/>
-            <a:ext cx="8382000" cy="4525963"/>
-          </a:xfrm>
-        </p:spPr>
+        <p:spPr/>
         <p:txBody>
           <a:bodyPr/>
           <a:lstStyle/>
           <a:p>
-            <a:pPr marL="0" indent="0">
-              <a:buNone/>
-            </a:pPr>
-            <a:r>
-              <a:rPr lang="en-US" sz="2000" b="1" dirty="0">
+            <a:pPr marL="514350" indent="-514350">
+              <a:buFont typeface="+mj-lt"/>
+              <a:buAutoNum type="arabicPeriod"/>
+            </a:pPr>
+            <a:r>
+              <a:rPr lang="en-US" b="1" dirty="0"/>
+              <a:t>(on this week’s video and A15 problem 1) </a:t>
+            </a:r>
+            <a:r>
+              <a:rPr lang="en-US" dirty="0"/>
+              <a:t>A continuation is a Scheme procedure.  </a:t>
+            </a:r>
+            <a:r>
+              <a:rPr lang="en-US" dirty="0">
                 <a:latin typeface="Courier New" panose="02070309020205020404" pitchFamily="49" charset="0"/>
                 <a:cs typeface="Courier New" panose="02070309020205020404" pitchFamily="49" charset="0"/>
               </a:rPr>
-              <a:t>(define prod-cps </a:t>
-            </a:r>
-            <a:r>
-              <a:rPr lang="en-US" sz="2000" dirty="0">
-                <a:solidFill>
-                  <a:srgbClr val="CC0097"/>
-                </a:solidFill>
-              </a:rPr>
-              <a:t>; fill in the continuations at the end</a:t>
-            </a:r>
-            <a:r>
-              <a:rPr lang="en-US" sz="2000" b="1" dirty="0">
-                <a:solidFill>
-                  <a:srgbClr val="CC0097"/>
-                </a:solidFill>
+              <a:t>apply-k</a:t>
+            </a:r>
+            <a:r>
+              <a:rPr lang="en-US" dirty="0"/>
+              <a:t> is a simple “pass-through”.    </a:t>
+            </a:r>
+            <a:br>
+              <a:rPr lang="en-US" dirty="0"/>
+            </a:br>
+            <a:r>
+              <a:rPr lang="en-US" sz="2400" dirty="0">
                 <a:latin typeface="Courier New" panose="02070309020205020404" pitchFamily="49" charset="0"/>
                 <a:cs typeface="Courier New" panose="02070309020205020404" pitchFamily="49" charset="0"/>
               </a:rPr>
-              <a:t> </a:t>
-            </a:r>
-          </a:p>
-          <a:p>
-            <a:pPr marL="0" indent="0">
-              <a:buNone/>
-            </a:pPr>
-            <a:r>
-              <a:rPr lang="en-US" sz="2000" b="1" dirty="0">
-                <a:solidFill>
-                  <a:srgbClr val="CC0097"/>
-                </a:solidFill>
+              <a:t>(define apply-k (lambda (k v) (k v)))</a:t>
+            </a:r>
+            <a:br>
+              <a:rPr lang="en-US" sz="2400" dirty="0">
                 <a:latin typeface="Courier New" panose="02070309020205020404" pitchFamily="49" charset="0"/>
                 <a:cs typeface="Courier New" panose="02070309020205020404" pitchFamily="49" charset="0"/>
               </a:rPr>
-              <a:t>  </a:t>
-            </a:r>
-            <a:r>
-              <a:rPr lang="en-US" sz="2000" b="1" dirty="0">
+            </a:br>
+            <a:endParaRPr lang="en-US" dirty="0">
+              <a:latin typeface="Courier New" panose="02070309020205020404" pitchFamily="49" charset="0"/>
+              <a:cs typeface="Courier New" panose="02070309020205020404" pitchFamily="49" charset="0"/>
+            </a:endParaRPr>
+          </a:p>
+          <a:p>
+            <a:pPr marL="514350" indent="-514350">
+              <a:buFont typeface="+mj-lt"/>
+              <a:buAutoNum type="arabicPeriod"/>
+            </a:pPr>
+            <a:r>
+              <a:rPr lang="en-US" b="1" dirty="0"/>
+              <a:t>(today, A15 problem 2) </a:t>
+            </a:r>
+            <a:r>
+              <a:rPr lang="en-US" dirty="0"/>
+              <a:t>A continuation is a data structure, defined using </a:t>
+            </a:r>
+            <a:r>
+              <a:rPr lang="en-US" dirty="0">
                 <a:latin typeface="Courier New" panose="02070309020205020404" pitchFamily="49" charset="0"/>
                 <a:cs typeface="Courier New" panose="02070309020205020404" pitchFamily="49" charset="0"/>
               </a:rPr>
-              <a:t>(lambda (L succeed fail) </a:t>
-            </a:r>
-          </a:p>
-          <a:p>
-            <a:pPr marL="0" indent="0">
-              <a:buNone/>
-            </a:pPr>
-            <a:r>
-              <a:rPr lang="en-US" sz="2000" b="1" dirty="0">
+              <a:t>define-datatype</a:t>
+            </a:r>
+            <a:r>
+              <a:rPr lang="en-US" dirty="0"/>
+              <a:t>. </a:t>
+            </a:r>
+            <a:br>
+              <a:rPr lang="en-US" dirty="0"/>
+            </a:br>
+            <a:r>
+              <a:rPr lang="en-US" dirty="0">
                 <a:latin typeface="Courier New" panose="02070309020205020404" pitchFamily="49" charset="0"/>
                 <a:cs typeface="Courier New" panose="02070309020205020404" pitchFamily="49" charset="0"/>
               </a:rPr>
-              <a:t>    (</a:t>
-            </a:r>
-            <a:r>
-              <a:rPr lang="en-US" sz="2000" b="1" dirty="0" err="1">
+              <a:t>make-k</a:t>
+            </a:r>
+            <a:r>
+              <a:rPr lang="en-US" dirty="0"/>
+              <a:t> is replaced by having a constructor for each continuation variant.  </a:t>
+            </a:r>
+            <a:r>
+              <a:rPr lang="en-US" dirty="0">
                 <a:latin typeface="Courier New" panose="02070309020205020404" pitchFamily="49" charset="0"/>
                 <a:cs typeface="Courier New" panose="02070309020205020404" pitchFamily="49" charset="0"/>
               </a:rPr>
-              <a:t>cond</a:t>
-            </a:r>
-            <a:r>
-              <a:rPr lang="en-US" sz="2000" b="1" dirty="0">
-                <a:latin typeface="Courier New" panose="02070309020205020404" pitchFamily="49" charset="0"/>
-                <a:cs typeface="Courier New" panose="02070309020205020404" pitchFamily="49" charset="0"/>
-              </a:rPr>
-              <a:t> [(null? L) (apply-k succeed 1)] </a:t>
-            </a:r>
-          </a:p>
-          <a:p>
-            <a:pPr marL="0" indent="0">
-              <a:buNone/>
-            </a:pPr>
-            <a:r>
-              <a:rPr lang="en-US" sz="2000" b="1" dirty="0">
-                <a:latin typeface="Courier New" panose="02070309020205020404" pitchFamily="49" charset="0"/>
-                <a:cs typeface="Courier New" panose="02070309020205020404" pitchFamily="49" charset="0"/>
-              </a:rPr>
-              <a:t>          [(zero? (car L)) (apply-k fail)] </a:t>
-            </a:r>
-          </a:p>
-          <a:p>
-            <a:pPr marL="0" indent="0">
-              <a:buNone/>
-            </a:pPr>
-            <a:r>
-              <a:rPr lang="en-US" sz="2000" b="1" dirty="0">
-                <a:latin typeface="Courier New" panose="02070309020205020404" pitchFamily="49" charset="0"/>
-                <a:cs typeface="Courier New" panose="02070309020205020404" pitchFamily="49" charset="0"/>
-              </a:rPr>
-              <a:t>          [else (prod-cps (cdr L)</a:t>
-            </a:r>
-          </a:p>
-          <a:p>
-            <a:pPr marL="0" indent="0">
-              <a:buNone/>
-            </a:pPr>
-            <a:r>
-              <a:rPr lang="en-US" sz="2000" dirty="0">
-                <a:solidFill>
-                  <a:srgbClr val="CC0097"/>
-                </a:solidFill>
-              </a:rPr>
-              <a:t>Code that uses prod-cps:</a:t>
-            </a:r>
-          </a:p>
-          <a:p>
-            <a:pPr marL="0" indent="0">
-              <a:buNone/>
-            </a:pPr>
-            <a:r>
-              <a:rPr lang="en-US" sz="2000" b="1" dirty="0">
-                <a:latin typeface="Courier New" panose="02070309020205020404" pitchFamily="49" charset="0"/>
-                <a:cs typeface="Courier New" panose="02070309020205020404" pitchFamily="49" charset="0"/>
-              </a:rPr>
-              <a:t>(define print-list-product </a:t>
-            </a:r>
-          </a:p>
-          <a:p>
-            <a:pPr marL="0" indent="0">
-              <a:buNone/>
-            </a:pPr>
-            <a:r>
-              <a:rPr lang="en-US" sz="2000" b="1" dirty="0">
-                <a:latin typeface="Courier New" panose="02070309020205020404" pitchFamily="49" charset="0"/>
-                <a:cs typeface="Courier New" panose="02070309020205020404" pitchFamily="49" charset="0"/>
-              </a:rPr>
-              <a:t> (lambda (list) </a:t>
-            </a:r>
-          </a:p>
-          <a:p>
-            <a:pPr marL="0" indent="0">
-              <a:buNone/>
-            </a:pPr>
-            <a:r>
-              <a:rPr lang="en-US" sz="2000" b="1" dirty="0">
-                <a:latin typeface="Courier New" panose="02070309020205020404" pitchFamily="49" charset="0"/>
-                <a:cs typeface="Courier New" panose="02070309020205020404" pitchFamily="49" charset="0"/>
-              </a:rPr>
-              <a:t>    (prod-cps list </a:t>
-            </a:r>
-          </a:p>
-          <a:p>
-            <a:pPr marL="0" indent="0">
-              <a:buNone/>
-            </a:pPr>
-            <a:r>
-              <a:rPr lang="en-US" sz="2000" b="1" dirty="0">
-                <a:latin typeface="Courier New" panose="02070309020205020404" pitchFamily="49" charset="0"/>
-                <a:cs typeface="Courier New" panose="02070309020205020404" pitchFamily="49" charset="0"/>
-              </a:rPr>
-              <a:t>         (make-k(lambda (prod) </a:t>
-            </a:r>
-          </a:p>
-          <a:p>
-            <a:pPr marL="0" indent="0">
-              <a:buNone/>
-            </a:pPr>
-            <a:r>
-              <a:rPr lang="en-US" sz="2000" b="1" dirty="0">
-                <a:latin typeface="Courier New" panose="02070309020205020404" pitchFamily="49" charset="0"/>
-                <a:cs typeface="Courier New" panose="02070309020205020404" pitchFamily="49" charset="0"/>
-              </a:rPr>
-              <a:t>           (</a:t>
-            </a:r>
-            <a:r>
-              <a:rPr lang="en-US" sz="2000" b="1" dirty="0" err="1">
-                <a:latin typeface="Courier New" panose="02070309020205020404" pitchFamily="49" charset="0"/>
-                <a:cs typeface="Courier New" panose="02070309020205020404" pitchFamily="49" charset="0"/>
-              </a:rPr>
-              <a:t>printf</a:t>
-            </a:r>
-            <a:r>
-              <a:rPr lang="en-US" sz="2000" b="1" dirty="0">
-                <a:latin typeface="Courier New" panose="02070309020205020404" pitchFamily="49" charset="0"/>
-                <a:cs typeface="Courier New" panose="02070309020205020404" pitchFamily="49" charset="0"/>
-              </a:rPr>
-              <a:t> "The product is ~</a:t>
-            </a:r>
-            <a:r>
-              <a:rPr lang="en-US" sz="2000" b="1" dirty="0" err="1">
-                <a:latin typeface="Courier New" panose="02070309020205020404" pitchFamily="49" charset="0"/>
-                <a:cs typeface="Courier New" panose="02070309020205020404" pitchFamily="49" charset="0"/>
-              </a:rPr>
-              <a:t>s~n</a:t>
-            </a:r>
-            <a:r>
-              <a:rPr lang="en-US" sz="2000" b="1" dirty="0">
-                <a:latin typeface="Courier New" panose="02070309020205020404" pitchFamily="49" charset="0"/>
-                <a:cs typeface="Courier New" panose="02070309020205020404" pitchFamily="49" charset="0"/>
-              </a:rPr>
-              <a:t>" prod))) </a:t>
-            </a:r>
-          </a:p>
-          <a:p>
-            <a:pPr marL="0" indent="0">
-              <a:buNone/>
-            </a:pPr>
-            <a:r>
-              <a:rPr lang="en-US" sz="2000" b="1" dirty="0">
-                <a:latin typeface="Courier New" panose="02070309020205020404" pitchFamily="49" charset="0"/>
-                <a:cs typeface="Courier New" panose="02070309020205020404" pitchFamily="49" charset="0"/>
-              </a:rPr>
-              <a:t>        (make-k (lambda () </a:t>
-            </a:r>
-          </a:p>
-          <a:p>
-            <a:pPr marL="0" indent="0">
-              <a:buNone/>
-            </a:pPr>
-            <a:r>
-              <a:rPr lang="en-US" sz="2000" b="1" dirty="0">
-                <a:latin typeface="Courier New" panose="02070309020205020404" pitchFamily="49" charset="0"/>
-                <a:cs typeface="Courier New" panose="02070309020205020404" pitchFamily="49" charset="0"/>
-              </a:rPr>
-              <a:t>           (</a:t>
-            </a:r>
-            <a:r>
-              <a:rPr lang="en-US" sz="2000" b="1" dirty="0" err="1">
-                <a:latin typeface="Courier New" panose="02070309020205020404" pitchFamily="49" charset="0"/>
-                <a:cs typeface="Courier New" panose="02070309020205020404" pitchFamily="49" charset="0"/>
-              </a:rPr>
-              <a:t>printf</a:t>
-            </a:r>
-            <a:r>
-              <a:rPr lang="en-US" sz="2000" b="1" dirty="0">
-                <a:latin typeface="Courier New" panose="02070309020205020404" pitchFamily="49" charset="0"/>
-                <a:cs typeface="Courier New" panose="02070309020205020404" pitchFamily="49" charset="0"/>
-              </a:rPr>
-              <a:t> "zero found, product is 0”)))))</a:t>
-            </a:r>
-          </a:p>
-          <a:p>
-            <a:pPr marL="0" indent="0">
-              <a:buNone/>
-            </a:pPr>
-            <a:endParaRPr lang="en-US" dirty="0"/>
+              <a:t>apply-k</a:t>
+            </a:r>
+            <a:r>
+              <a:rPr lang="en-US" dirty="0"/>
+              <a:t> does most of the continuation work.</a:t>
+            </a:r>
           </a:p>
         </p:txBody>
       </p:sp>
     </p:spTree>
     <p:extLst>
       <p:ext uri="{BB962C8B-B14F-4D97-AF65-F5344CB8AC3E}">
-        <p14:creationId xmlns:p14="http://schemas.microsoft.com/office/powerpoint/2010/main" val="1035618249"/>
+        <p14:creationId xmlns:p14="http://schemas.microsoft.com/office/powerpoint/2010/main" val="1801456059"/>
       </p:ext>
     </p:extLst>
   </p:cSld>
@@ -6084,7 +6948,7 @@
 </file>
 
 <file path=ppt/slides/slide8.xml><?xml version="1.0" encoding="utf-8"?>
-<p:sld xmlns:a="http://schemas.openxmlformats.org/drawingml/2006/main" xmlns:r="http://schemas.openxmlformats.org/officeDocument/2006/relationships" xmlns:p="http://schemas.openxmlformats.org/presentationml/2006/main" show="0">
+<p:sld xmlns:a="http://schemas.openxmlformats.org/drawingml/2006/main" xmlns:r="http://schemas.openxmlformats.org/officeDocument/2006/relationships" xmlns:p="http://schemas.openxmlformats.org/presentationml/2006/main">
   <p:cSld>
     <p:spTree>
       <p:nvGrpSpPr>
@@ -6102,7 +6966,13 @@
       </p:grpSpPr>
       <p:sp>
         <p:nvSpPr>
-          <p:cNvPr id="2" name="Title 1"/>
+          <p:cNvPr id="2" name="Title 1">
+            <a:extLst>
+              <a:ext uri="{FF2B5EF4-FFF2-40B4-BE49-F238E27FC236}">
+                <a16:creationId xmlns:a16="http://schemas.microsoft.com/office/drawing/2014/main" id="{DCEC95FC-ED82-4D79-9BF6-7C6BFBF60F03}"/>
+              </a:ext>
+            </a:extLst>
+          </p:cNvPr>
           <p:cNvSpPr>
             <a:spLocks noGrp="1"/>
           </p:cNvSpPr>
@@ -6110,21 +6980,32 @@
             <p:ph type="title"/>
           </p:nvPr>
         </p:nvSpPr>
-        <p:spPr/>
+        <p:spPr>
+          <a:xfrm>
+            <a:off x="228600" y="274638"/>
+            <a:ext cx="11734800" cy="1143000"/>
+          </a:xfrm>
+        </p:spPr>
         <p:txBody>
           <a:bodyPr/>
           <a:lstStyle/>
           <a:p>
             <a:r>
               <a:rPr lang="en-US" dirty="0"/>
-              <a:t>Succeed and fail continuations</a:t>
+              <a:t>Claude Anderson passed away this morning</a:t>
             </a:r>
           </a:p>
         </p:txBody>
       </p:sp>
       <p:sp>
         <p:nvSpPr>
-          <p:cNvPr id="3" name="Content Placeholder 2"/>
+          <p:cNvPr id="3" name="Content Placeholder 2">
+            <a:extLst>
+              <a:ext uri="{FF2B5EF4-FFF2-40B4-BE49-F238E27FC236}">
+                <a16:creationId xmlns:a16="http://schemas.microsoft.com/office/drawing/2014/main" id="{034D30F2-A4BC-487C-AA5C-9DB8578FEB0E}"/>
+              </a:ext>
+            </a:extLst>
+          </p:cNvPr>
           <p:cNvSpPr>
             <a:spLocks noGrp="1"/>
           </p:cNvSpPr>
@@ -6134,378 +7015,75 @@
         </p:nvSpPr>
         <p:spPr>
           <a:xfrm>
-            <a:off x="2286000" y="1524001"/>
-            <a:ext cx="8382000" cy="4525963"/>
+            <a:off x="609600" y="1393057"/>
+            <a:ext cx="10972800" cy="5007743"/>
           </a:xfrm>
         </p:spPr>
         <p:txBody>
           <a:bodyPr/>
           <a:lstStyle/>
           <a:p>
-            <a:pPr marL="0" indent="0">
-              <a:buNone/>
-            </a:pPr>
-            <a:r>
-              <a:rPr lang="en-US" sz="2000" b="1" dirty="0">
-                <a:latin typeface="Courier New" panose="02070309020205020404" pitchFamily="49" charset="0"/>
-                <a:cs typeface="Courier New" panose="02070309020205020404" pitchFamily="49" charset="0"/>
-              </a:rPr>
-              <a:t>(define prod-cps </a:t>
-            </a:r>
-            <a:r>
-              <a:rPr lang="en-US" sz="2000" dirty="0">
-                <a:solidFill>
-                  <a:srgbClr val="CC0097"/>
-                </a:solidFill>
-              </a:rPr>
-              <a:t>; fill in the continuations at the end</a:t>
-            </a:r>
-            <a:r>
-              <a:rPr lang="en-US" sz="2000" b="1" dirty="0">
-                <a:solidFill>
-                  <a:srgbClr val="CC0097"/>
-                </a:solidFill>
-                <a:latin typeface="Courier New" panose="02070309020205020404" pitchFamily="49" charset="0"/>
-                <a:cs typeface="Courier New" panose="02070309020205020404" pitchFamily="49" charset="0"/>
-              </a:rPr>
-              <a:t> </a:t>
-            </a:r>
-          </a:p>
-          <a:p>
-            <a:pPr marL="0" indent="0">
-              <a:buNone/>
-            </a:pPr>
-            <a:r>
-              <a:rPr lang="en-US" sz="2000" b="1" dirty="0">
-                <a:solidFill>
-                  <a:srgbClr val="CC0097"/>
-                </a:solidFill>
-                <a:latin typeface="Courier New" panose="02070309020205020404" pitchFamily="49" charset="0"/>
-                <a:cs typeface="Courier New" panose="02070309020205020404" pitchFamily="49" charset="0"/>
-              </a:rPr>
-              <a:t>  </a:t>
-            </a:r>
-            <a:r>
-              <a:rPr lang="en-US" sz="2000" b="1" dirty="0">
-                <a:latin typeface="Courier New" panose="02070309020205020404" pitchFamily="49" charset="0"/>
-                <a:cs typeface="Courier New" panose="02070309020205020404" pitchFamily="49" charset="0"/>
-              </a:rPr>
-              <a:t>(lambda (L succeed fail) </a:t>
-            </a:r>
-          </a:p>
-          <a:p>
-            <a:pPr marL="0" indent="0">
-              <a:buNone/>
-            </a:pPr>
-            <a:r>
-              <a:rPr lang="en-US" sz="2000" b="1" dirty="0">
-                <a:latin typeface="Courier New" panose="02070309020205020404" pitchFamily="49" charset="0"/>
-                <a:cs typeface="Courier New" panose="02070309020205020404" pitchFamily="49" charset="0"/>
-              </a:rPr>
-              <a:t>    (</a:t>
-            </a:r>
-            <a:r>
-              <a:rPr lang="en-US" sz="2000" b="1" dirty="0" err="1">
-                <a:latin typeface="Courier New" panose="02070309020205020404" pitchFamily="49" charset="0"/>
-                <a:cs typeface="Courier New" panose="02070309020205020404" pitchFamily="49" charset="0"/>
-              </a:rPr>
-              <a:t>cond</a:t>
-            </a:r>
-            <a:r>
-              <a:rPr lang="en-US" sz="2000" b="1" dirty="0">
-                <a:latin typeface="Courier New" panose="02070309020205020404" pitchFamily="49" charset="0"/>
-                <a:cs typeface="Courier New" panose="02070309020205020404" pitchFamily="49" charset="0"/>
-              </a:rPr>
-              <a:t> [(null? L) (apply-k succeed 1)] </a:t>
-            </a:r>
-          </a:p>
-          <a:p>
-            <a:pPr marL="0" indent="0">
-              <a:buNone/>
-            </a:pPr>
-            <a:r>
-              <a:rPr lang="en-US" sz="2000" b="1" dirty="0">
-                <a:latin typeface="Courier New" panose="02070309020205020404" pitchFamily="49" charset="0"/>
-                <a:cs typeface="Courier New" panose="02070309020205020404" pitchFamily="49" charset="0"/>
-              </a:rPr>
-              <a:t>          [(zero? (car L)) (apply-k fail)] </a:t>
-            </a:r>
-          </a:p>
-          <a:p>
-            <a:pPr marL="0" indent="0">
-              <a:buNone/>
-            </a:pPr>
-            <a:r>
-              <a:rPr lang="en-US" sz="2000" b="1" dirty="0">
-                <a:latin typeface="Courier New" panose="02070309020205020404" pitchFamily="49" charset="0"/>
-                <a:cs typeface="Courier New" panose="02070309020205020404" pitchFamily="49" charset="0"/>
-              </a:rPr>
-              <a:t>          [else (prod-cps (cdr L)</a:t>
-            </a:r>
-          </a:p>
-          <a:p>
-            <a:pPr marL="0" indent="0">
-              <a:buNone/>
-            </a:pPr>
-            <a:r>
-              <a:rPr lang="en-US" sz="2000" dirty="0">
-                <a:solidFill>
-                  <a:srgbClr val="CC0097"/>
-                </a:solidFill>
-              </a:rPr>
-              <a:t>Code that uses prod-cps:</a:t>
-            </a:r>
-          </a:p>
-          <a:p>
-            <a:pPr marL="0" indent="0">
-              <a:buNone/>
-            </a:pPr>
-            <a:r>
-              <a:rPr lang="en-US" sz="2000" b="1" dirty="0">
-                <a:latin typeface="Courier New" panose="02070309020205020404" pitchFamily="49" charset="0"/>
-                <a:cs typeface="Courier New" panose="02070309020205020404" pitchFamily="49" charset="0"/>
-              </a:rPr>
-              <a:t>(define print-list-product </a:t>
-            </a:r>
-          </a:p>
-          <a:p>
-            <a:pPr marL="0" indent="0">
-              <a:buNone/>
-            </a:pPr>
-            <a:r>
-              <a:rPr lang="en-US" sz="2000" b="1" dirty="0">
-                <a:latin typeface="Courier New" panose="02070309020205020404" pitchFamily="49" charset="0"/>
-                <a:cs typeface="Courier New" panose="02070309020205020404" pitchFamily="49" charset="0"/>
-              </a:rPr>
-              <a:t> (lambda (list) </a:t>
-            </a:r>
-          </a:p>
-          <a:p>
-            <a:pPr marL="0" indent="0">
-              <a:buNone/>
-            </a:pPr>
-            <a:r>
-              <a:rPr lang="en-US" sz="2000" b="1" dirty="0">
-                <a:latin typeface="Courier New" panose="02070309020205020404" pitchFamily="49" charset="0"/>
-                <a:cs typeface="Courier New" panose="02070309020205020404" pitchFamily="49" charset="0"/>
-              </a:rPr>
-              <a:t>    (prod-cps list </a:t>
-            </a:r>
-          </a:p>
-          <a:p>
-            <a:pPr marL="0" indent="0">
-              <a:buNone/>
-            </a:pPr>
-            <a:r>
-              <a:rPr lang="en-US" sz="2000" b="1" dirty="0">
-                <a:latin typeface="Courier New" panose="02070309020205020404" pitchFamily="49" charset="0"/>
-                <a:cs typeface="Courier New" panose="02070309020205020404" pitchFamily="49" charset="0"/>
-              </a:rPr>
-              <a:t>         (make-k(lambda (prod) </a:t>
-            </a:r>
-          </a:p>
-          <a:p>
-            <a:pPr marL="0" indent="0">
-              <a:buNone/>
-            </a:pPr>
-            <a:r>
-              <a:rPr lang="en-US" sz="2000" b="1" dirty="0">
-                <a:latin typeface="Courier New" panose="02070309020205020404" pitchFamily="49" charset="0"/>
-                <a:cs typeface="Courier New" panose="02070309020205020404" pitchFamily="49" charset="0"/>
-              </a:rPr>
-              <a:t>           (</a:t>
-            </a:r>
-            <a:r>
-              <a:rPr lang="en-US" sz="2000" b="1" dirty="0" err="1">
-                <a:latin typeface="Courier New" panose="02070309020205020404" pitchFamily="49" charset="0"/>
-                <a:cs typeface="Courier New" panose="02070309020205020404" pitchFamily="49" charset="0"/>
-              </a:rPr>
-              <a:t>printf</a:t>
-            </a:r>
-            <a:r>
-              <a:rPr lang="en-US" sz="2000" b="1" dirty="0">
-                <a:latin typeface="Courier New" panose="02070309020205020404" pitchFamily="49" charset="0"/>
-                <a:cs typeface="Courier New" panose="02070309020205020404" pitchFamily="49" charset="0"/>
-              </a:rPr>
-              <a:t> "The product is ~</a:t>
-            </a:r>
-            <a:r>
-              <a:rPr lang="en-US" sz="2000" b="1" dirty="0" err="1">
-                <a:latin typeface="Courier New" panose="02070309020205020404" pitchFamily="49" charset="0"/>
-                <a:cs typeface="Courier New" panose="02070309020205020404" pitchFamily="49" charset="0"/>
-              </a:rPr>
-              <a:t>s~n</a:t>
-            </a:r>
-            <a:r>
-              <a:rPr lang="en-US" sz="2000" b="1" dirty="0">
-                <a:latin typeface="Courier New" panose="02070309020205020404" pitchFamily="49" charset="0"/>
-                <a:cs typeface="Courier New" panose="02070309020205020404" pitchFamily="49" charset="0"/>
-              </a:rPr>
-              <a:t>" prod))) </a:t>
-            </a:r>
-          </a:p>
-          <a:p>
-            <a:pPr marL="0" indent="0">
-              <a:buNone/>
-            </a:pPr>
-            <a:r>
-              <a:rPr lang="en-US" sz="2000" b="1" dirty="0">
-                <a:latin typeface="Courier New" panose="02070309020205020404" pitchFamily="49" charset="0"/>
-                <a:cs typeface="Courier New" panose="02070309020205020404" pitchFamily="49" charset="0"/>
-              </a:rPr>
-              <a:t>        (make-k (lambda () </a:t>
-            </a:r>
-          </a:p>
-          <a:p>
-            <a:pPr marL="0" indent="0">
-              <a:buNone/>
-            </a:pPr>
-            <a:r>
-              <a:rPr lang="en-US" sz="2000" b="1" dirty="0">
-                <a:latin typeface="Courier New" panose="02070309020205020404" pitchFamily="49" charset="0"/>
-                <a:cs typeface="Courier New" panose="02070309020205020404" pitchFamily="49" charset="0"/>
-              </a:rPr>
-              <a:t>           (</a:t>
-            </a:r>
-            <a:r>
-              <a:rPr lang="en-US" sz="2000" b="1" dirty="0" err="1">
-                <a:latin typeface="Courier New" panose="02070309020205020404" pitchFamily="49" charset="0"/>
-                <a:cs typeface="Courier New" panose="02070309020205020404" pitchFamily="49" charset="0"/>
-              </a:rPr>
-              <a:t>printf</a:t>
-            </a:r>
-            <a:r>
-              <a:rPr lang="en-US" sz="2000" b="1" dirty="0">
-                <a:latin typeface="Courier New" panose="02070309020205020404" pitchFamily="49" charset="0"/>
-                <a:cs typeface="Courier New" panose="02070309020205020404" pitchFamily="49" charset="0"/>
-              </a:rPr>
-              <a:t> "zero found, product is 0”)))))</a:t>
-            </a:r>
-          </a:p>
-          <a:p>
-            <a:pPr marL="0" indent="0">
-              <a:buNone/>
-            </a:pPr>
-            <a:endParaRPr lang="en-US" dirty="0"/>
-          </a:p>
-        </p:txBody>
-      </p:sp>
-      <p:sp>
-        <p:nvSpPr>
-          <p:cNvPr id="4" name="TextBox 3">
-            <a:extLst>
-              <a:ext uri="{FF2B5EF4-FFF2-40B4-BE49-F238E27FC236}">
-                <a16:creationId xmlns:a16="http://schemas.microsoft.com/office/drawing/2014/main" id="{94B9B92A-AF06-4C4D-99BD-FF9E930AC057}"/>
-              </a:ext>
-            </a:extLst>
-          </p:cNvPr>
-          <p:cNvSpPr txBox="1"/>
-          <p:nvPr/>
-        </p:nvSpPr>
-        <p:spPr>
-          <a:xfrm>
-            <a:off x="6705601" y="3581401"/>
-            <a:ext cx="3733799" cy="1384995"/>
-          </a:xfrm>
-          <a:prstGeom prst="rect">
-            <a:avLst/>
-          </a:prstGeom>
-          <a:noFill/>
-        </p:spPr>
-        <p:txBody>
-          <a:bodyPr wrap="square" rtlCol="0">
-            <a:spAutoFit/>
-          </a:bodyPr>
-          <a:lstStyle/>
-          <a:p>
-            <a:r>
-              <a:rPr lang="en-US" sz="2000" b="1" dirty="0">
-                <a:solidFill>
-                  <a:srgbClr val="C42EAD"/>
-                </a:solidFill>
-                <a:latin typeface="Courier New" panose="02070309020205020404" pitchFamily="49" charset="0"/>
-                <a:cs typeface="Courier New" panose="02070309020205020404" pitchFamily="49" charset="0"/>
-              </a:rPr>
-              <a:t>(define apply-k</a:t>
-            </a:r>
-          </a:p>
-          <a:p>
-            <a:r>
-              <a:rPr lang="en-US" sz="2000" b="1" dirty="0">
-                <a:solidFill>
-                  <a:srgbClr val="C42EAD"/>
-                </a:solidFill>
-                <a:latin typeface="Courier New" panose="02070309020205020404" pitchFamily="49" charset="0"/>
-                <a:cs typeface="Courier New" panose="02070309020205020404" pitchFamily="49" charset="0"/>
-              </a:rPr>
-              <a:t>  (lambda (k . </a:t>
-            </a:r>
-            <a:r>
-              <a:rPr lang="en-US" sz="2000" b="1" dirty="0" err="1">
-                <a:solidFill>
-                  <a:srgbClr val="C42EAD"/>
-                </a:solidFill>
-                <a:latin typeface="Courier New" panose="02070309020205020404" pitchFamily="49" charset="0"/>
-                <a:cs typeface="Courier New" panose="02070309020205020404" pitchFamily="49" charset="0"/>
-              </a:rPr>
-              <a:t>vals</a:t>
-            </a:r>
-            <a:r>
-              <a:rPr lang="en-US" sz="2000" b="1" dirty="0">
-                <a:solidFill>
-                  <a:srgbClr val="C42EAD"/>
-                </a:solidFill>
-                <a:latin typeface="Courier New" panose="02070309020205020404" pitchFamily="49" charset="0"/>
-                <a:cs typeface="Courier New" panose="02070309020205020404" pitchFamily="49" charset="0"/>
-              </a:rPr>
-              <a:t>)</a:t>
-            </a:r>
-          </a:p>
-          <a:p>
-            <a:r>
-              <a:rPr lang="en-US" sz="2000" b="1" dirty="0">
-                <a:solidFill>
-                  <a:srgbClr val="C42EAD"/>
-                </a:solidFill>
-                <a:latin typeface="Courier New" panose="02070309020205020404" pitchFamily="49" charset="0"/>
-                <a:cs typeface="Courier New" panose="02070309020205020404" pitchFamily="49" charset="0"/>
-              </a:rPr>
-              <a:t>    (apply k </a:t>
-            </a:r>
-            <a:r>
-              <a:rPr lang="en-US" sz="2000" b="1" dirty="0" err="1">
-                <a:solidFill>
-                  <a:srgbClr val="C42EAD"/>
-                </a:solidFill>
-                <a:latin typeface="Courier New" panose="02070309020205020404" pitchFamily="49" charset="0"/>
-                <a:cs typeface="Courier New" panose="02070309020205020404" pitchFamily="49" charset="0"/>
-              </a:rPr>
-              <a:t>vals</a:t>
-            </a:r>
-            <a:r>
-              <a:rPr lang="en-US" sz="2000" b="1" dirty="0">
-                <a:solidFill>
-                  <a:srgbClr val="C42EAD"/>
-                </a:solidFill>
-                <a:latin typeface="Courier New" panose="02070309020205020404" pitchFamily="49" charset="0"/>
-                <a:cs typeface="Courier New" panose="02070309020205020404" pitchFamily="49" charset="0"/>
-              </a:rPr>
-              <a:t>)))</a:t>
-            </a:r>
-          </a:p>
-          <a:p>
-            <a:endParaRPr lang="en-US" sz="2400" b="1" dirty="0">
-              <a:solidFill>
-                <a:srgbClr val="C42EAD"/>
-              </a:solidFill>
-            </a:endParaRPr>
+            <a:r>
+              <a:rPr lang="en-US" dirty="0"/>
+              <a:t>Original creator of this course, guy in the Zoom videos</a:t>
+            </a:r>
+          </a:p>
+          <a:p>
+            <a:r>
+              <a:rPr lang="en-US" dirty="0"/>
+              <a:t>I always thought of Claude of the classic Rose-</a:t>
+            </a:r>
+            <a:r>
+              <a:rPr lang="en-US" dirty="0" err="1"/>
+              <a:t>Hulman</a:t>
+            </a:r>
+            <a:r>
+              <a:rPr lang="en-US" dirty="0"/>
+              <a:t> professor</a:t>
+            </a:r>
+          </a:p>
+          <a:p>
+            <a:pPr lvl="1"/>
+            <a:r>
+              <a:rPr lang="en-US" dirty="0"/>
+              <a:t>Because he was so soft spoken and nice</a:t>
+            </a:r>
+          </a:p>
+          <a:p>
+            <a:pPr lvl="1"/>
+            <a:r>
+              <a:rPr lang="en-US" dirty="0"/>
+              <a:t>Yet he’d build these famously hard courses</a:t>
+            </a:r>
+          </a:p>
+          <a:p>
+            <a:pPr lvl="1"/>
+            <a:r>
+              <a:rPr lang="en-US" dirty="0"/>
+              <a:t>His niceness would rescue you from the horrible things </a:t>
+            </a:r>
+            <a:r>
+              <a:rPr lang="en-US" i="1" dirty="0"/>
+              <a:t>his </a:t>
+            </a:r>
+            <a:r>
+              <a:rPr lang="en-US" dirty="0"/>
+              <a:t>course was doing to you</a:t>
+            </a:r>
+          </a:p>
+          <a:p>
+            <a:pPr lvl="1"/>
+            <a:r>
+              <a:rPr lang="en-US" dirty="0"/>
+              <a:t>He’d fail you if you didn’t understand continuations – but no interviewer will ever ask you about continuations</a:t>
+            </a:r>
           </a:p>
         </p:txBody>
       </p:sp>
     </p:spTree>
     <p:extLst>
       <p:ext uri="{BB962C8B-B14F-4D97-AF65-F5344CB8AC3E}">
-        <p14:creationId xmlns:p14="http://schemas.microsoft.com/office/powerpoint/2010/main" val="1147710763"/>
+        <p14:creationId xmlns:p14="http://schemas.microsoft.com/office/powerpoint/2010/main" val="883426798"/>
       </p:ext>
     </p:extLst>
   </p:cSld>
@@ -6516,7 +7094,7 @@
 </file>
 
 <file path=ppt/slides/slide9.xml><?xml version="1.0" encoding="utf-8"?>
-<p:sld xmlns:a="http://schemas.openxmlformats.org/drawingml/2006/main" xmlns:r="http://schemas.openxmlformats.org/officeDocument/2006/relationships" xmlns:p="http://schemas.openxmlformats.org/presentationml/2006/main" show="0">
+<p:sld xmlns:a="http://schemas.openxmlformats.org/drawingml/2006/main" xmlns:r="http://schemas.openxmlformats.org/officeDocument/2006/relationships" xmlns:p="http://schemas.openxmlformats.org/presentationml/2006/main">
   <p:cSld>
     <p:spTree>
       <p:nvGrpSpPr>
@@ -6534,9 +7112,15 @@
       </p:grpSpPr>
       <p:sp>
         <p:nvSpPr>
-          <p:cNvPr id="124930" name="Rectangle 2"/>
+          <p:cNvPr id="2" name="Title 1">
+            <a:extLst>
+              <a:ext uri="{FF2B5EF4-FFF2-40B4-BE49-F238E27FC236}">
+                <a16:creationId xmlns:a16="http://schemas.microsoft.com/office/drawing/2014/main" id="{5E44255B-4556-43F5-ABE6-2409CD57B3B3}"/>
+              </a:ext>
+            </a:extLst>
+          </p:cNvPr>
           <p:cNvSpPr>
-            <a:spLocks noGrp="1" noChangeArrowheads="1"/>
+            <a:spLocks noGrp="1"/>
           </p:cNvSpPr>
           <p:nvPr>
             <p:ph type="title"/>
@@ -6548,72 +7132,56 @@
           <a:lstStyle/>
           <a:p>
             <a:r>
-              <a:rPr lang="en-US" sz="4000"/>
-              <a:t>Subst-leftmost with continuations</a:t>
+              <a:rPr lang="en-US" dirty="0"/>
+              <a:t>Recursion &amp; Iteration</a:t>
             </a:r>
           </a:p>
         </p:txBody>
       </p:sp>
       <p:sp>
         <p:nvSpPr>
-          <p:cNvPr id="124931" name="Rectangle 3"/>
+          <p:cNvPr id="3" name="Content Placeholder 2">
+            <a:extLst>
+              <a:ext uri="{FF2B5EF4-FFF2-40B4-BE49-F238E27FC236}">
+                <a16:creationId xmlns:a16="http://schemas.microsoft.com/office/drawing/2014/main" id="{A42B9DF9-5C76-4BAF-8A65-DD3EB365E5A2}"/>
+              </a:ext>
+            </a:extLst>
+          </p:cNvPr>
           <p:cNvSpPr>
-            <a:spLocks noGrp="1" noChangeArrowheads="1"/>
+            <a:spLocks noGrp="1"/>
           </p:cNvSpPr>
           <p:nvPr>
-            <p:ph type="body" idx="1"/>
+            <p:ph idx="1"/>
           </p:nvPr>
         </p:nvSpPr>
-        <p:spPr>
-          <a:xfrm>
-            <a:off x="2895600" y="1600201"/>
-            <a:ext cx="7086600" cy="4525963"/>
-          </a:xfrm>
-        </p:spPr>
+        <p:spPr/>
         <p:txBody>
           <a:bodyPr/>
           <a:lstStyle/>
           <a:p>
             <a:r>
-              <a:rPr lang="en-US"/>
-              <a:t>What does </a:t>
-            </a:r>
-            <a:r>
-              <a:rPr lang="en-US" b="1">
-                <a:latin typeface="Courier New" pitchFamily="49" charset="0"/>
-              </a:rPr>
-              <a:t>subst-leftmost</a:t>
-            </a:r>
-            <a:r>
-              <a:rPr lang="en-US"/>
-              <a:t> do?</a:t>
-            </a:r>
-          </a:p>
-          <a:p>
-            <a:r>
-              <a:rPr lang="en-US"/>
-              <a:t>Why was it hard?</a:t>
-            </a:r>
-            <a:br>
-              <a:rPr lang="en-US"/>
-            </a:br>
-            <a:endParaRPr lang="en-US"/>
-          </a:p>
-          <a:p>
-            <a:pPr>
-              <a:buFontTx/>
-              <a:buNone/>
-            </a:pPr>
-            <a:endParaRPr lang="en-US" b="1">
-              <a:latin typeface="Courier New" pitchFamily="49" charset="0"/>
-            </a:endParaRPr>
+              <a:rPr lang="en-US" dirty="0"/>
+              <a:t>Students often think of iteration and recursion as different – they are more similar than they originally appear</a:t>
+            </a:r>
+          </a:p>
+          <a:p>
+            <a:r>
+              <a:rPr lang="en-US" dirty="0"/>
+              <a:t>In terms of the raw hardware – iteration is often more efficient</a:t>
+            </a:r>
+          </a:p>
+          <a:p>
+            <a:r>
+              <a:rPr lang="en-US" dirty="0"/>
+              <a:t>But scheme tail-recursive procedures give us something interesting – a way to write functions in the recursive style without the overhead of recursion</a:t>
+            </a:r>
           </a:p>
         </p:txBody>
       </p:sp>
     </p:spTree>
     <p:extLst>
       <p:ext uri="{BB962C8B-B14F-4D97-AF65-F5344CB8AC3E}">
-        <p14:creationId xmlns:p14="http://schemas.microsoft.com/office/powerpoint/2010/main" val="926876424"/>
+        <p14:creationId xmlns:p14="http://schemas.microsoft.com/office/powerpoint/2010/main" val="3572749138"/>
       </p:ext>
     </p:extLst>
   </p:cSld>

--- a/ClassMaterials/CPSMore1/24-moreCPS.pptx
+++ b/ClassMaterials/CPSMore1/24-moreCPS.pptx
@@ -176,6 +176,29 @@
 
 <file path=ppt/changesInfos/changesInfo1.xml><?xml version="1.0" encoding="utf-8"?>
 <pc:chgInfo xmlns:a="http://schemas.openxmlformats.org/drawingml/2006/main" xmlns:r="http://schemas.openxmlformats.org/officeDocument/2006/relationships" xmlns:ac="http://schemas.microsoft.com/office/drawing/2013/main/command" xmlns:pc="http://schemas.microsoft.com/office/powerpoint/2013/main/command">
+  <pc:docChgLst>
+    <pc:chgData name="Hewner, Mike" userId="7f3f83dd-6dfb-4127-a87f-c1714bd4fac9" providerId="ADAL" clId="{955851E0-5792-4918-843C-F62EA9EBEE1B}"/>
+    <pc:docChg chg="modSld">
+      <pc:chgData name="Hewner, Mike" userId="7f3f83dd-6dfb-4127-a87f-c1714bd4fac9" providerId="ADAL" clId="{955851E0-5792-4918-843C-F62EA9EBEE1B}" dt="2022-01-21T15:49:24.591" v="1" actId="729"/>
+      <pc:docMkLst>
+        <pc:docMk/>
+      </pc:docMkLst>
+      <pc:sldChg chg="mod modShow">
+        <pc:chgData name="Hewner, Mike" userId="7f3f83dd-6dfb-4127-a87f-c1714bd4fac9" providerId="ADAL" clId="{955851E0-5792-4918-843C-F62EA9EBEE1B}" dt="2022-01-21T15:49:24.591" v="1" actId="729"/>
+        <pc:sldMkLst>
+          <pc:docMk/>
+          <pc:sldMk cId="3638107811" sldId="428"/>
+        </pc:sldMkLst>
+      </pc:sldChg>
+      <pc:sldChg chg="mod modShow">
+        <pc:chgData name="Hewner, Mike" userId="7f3f83dd-6dfb-4127-a87f-c1714bd4fac9" providerId="ADAL" clId="{955851E0-5792-4918-843C-F62EA9EBEE1B}" dt="2022-01-21T15:49:11.833" v="0" actId="729"/>
+        <pc:sldMkLst>
+          <pc:docMk/>
+          <pc:sldMk cId="3003259697" sldId="443"/>
+        </pc:sldMkLst>
+      </pc:sldChg>
+    </pc:docChg>
+  </pc:docChgLst>
   <pc:docChgLst>
     <pc:chgData name="Hewner, Mike" userId="7f3f83dd-6dfb-4127-a87f-c1714bd4fac9" providerId="ADAL" clId="{FFA2270F-E62A-4D13-A338-F8F5143CCC33}"/>
     <pc:docChg chg="custSel addSld modSld">
@@ -3329,7 +3352,7 @@
 </file>
 
 <file path=ppt/slides/slide1.xml><?xml version="1.0" encoding="utf-8"?>
-<p:sld xmlns:a="http://schemas.openxmlformats.org/drawingml/2006/main" xmlns:r="http://schemas.openxmlformats.org/officeDocument/2006/relationships" xmlns:p="http://schemas.openxmlformats.org/presentationml/2006/main">
+<p:sld xmlns:a="http://schemas.openxmlformats.org/drawingml/2006/main" xmlns:r="http://schemas.openxmlformats.org/officeDocument/2006/relationships" xmlns:p="http://schemas.openxmlformats.org/presentationml/2006/main" show="0">
   <p:cSld>
     <p:spTree>
       <p:nvGrpSpPr>
@@ -6374,7 +6397,7 @@
 </file>
 
 <file path=ppt/slides/slide4.xml><?xml version="1.0" encoding="utf-8"?>
-<p:sld xmlns:a="http://schemas.openxmlformats.org/drawingml/2006/main" xmlns:r="http://schemas.openxmlformats.org/officeDocument/2006/relationships" xmlns:p="http://schemas.openxmlformats.org/presentationml/2006/main">
+<p:sld xmlns:a="http://schemas.openxmlformats.org/drawingml/2006/main" xmlns:r="http://schemas.openxmlformats.org/officeDocument/2006/relationships" xmlns:p="http://schemas.openxmlformats.org/presentationml/2006/main" show="0">
   <p:cSld>
     <p:spTree>
       <p:nvGrpSpPr>
